--- a/poster_final_v2.pptx
+++ b/poster_final_v2.pptx
@@ -235,7 +235,7 @@
           <a:p>
             <a:fld id="{A2C17C0E-7EDB-4075-A298-E3ED005F4C7C}" type="datetimeFigureOut">
               <a:rPr lang="el-GR" smtClean="0"/>
-              <a:t>30/6/2023</a:t>
+              <a:t>3/7/2023</a:t>
             </a:fld>
             <a:endParaRPr lang="el-GR"/>
           </a:p>
@@ -400,7 +400,7 @@
           <a:p>
             <a:fld id="{5F4FDF9D-009C-4A66-9571-998C56D03408}" type="datetimeFigureOut">
               <a:rPr lang="en-US" smtClean="0"/>
-              <a:t>6/30/2023</a:t>
+              <a:t>7/3/2023</a:t>
             </a:fld>
             <a:endParaRPr lang="en-US"/>
           </a:p>
@@ -882,7 +882,7 @@
           <a:p>
             <a:fld id="{7AB69131-528E-47CA-9221-AD941DD4DEED}" type="datetimeFigureOut">
               <a:rPr lang="en-US" smtClean="0"/>
-              <a:t>6/30/2023</a:t>
+              <a:t>7/3/2023</a:t>
             </a:fld>
             <a:endParaRPr lang="en-US"/>
           </a:p>
@@ -1052,7 +1052,7 @@
           <a:p>
             <a:fld id="{7AB69131-528E-47CA-9221-AD941DD4DEED}" type="datetimeFigureOut">
               <a:rPr lang="en-US" smtClean="0"/>
-              <a:t>6/30/2023</a:t>
+              <a:t>7/3/2023</a:t>
             </a:fld>
             <a:endParaRPr lang="en-US"/>
           </a:p>
@@ -1232,7 +1232,7 @@
           <a:p>
             <a:fld id="{7AB69131-528E-47CA-9221-AD941DD4DEED}" type="datetimeFigureOut">
               <a:rPr lang="en-US" smtClean="0"/>
-              <a:t>6/30/2023</a:t>
+              <a:t>7/3/2023</a:t>
             </a:fld>
             <a:endParaRPr lang="en-US"/>
           </a:p>
@@ -1402,7 +1402,7 @@
           <a:p>
             <a:fld id="{7AB69131-528E-47CA-9221-AD941DD4DEED}" type="datetimeFigureOut">
               <a:rPr lang="en-US" smtClean="0"/>
-              <a:t>6/30/2023</a:t>
+              <a:t>7/3/2023</a:t>
             </a:fld>
             <a:endParaRPr lang="en-US"/>
           </a:p>
@@ -1646,7 +1646,7 @@
           <a:p>
             <a:fld id="{7AB69131-528E-47CA-9221-AD941DD4DEED}" type="datetimeFigureOut">
               <a:rPr lang="en-US" smtClean="0"/>
-              <a:t>6/30/2023</a:t>
+              <a:t>7/3/2023</a:t>
             </a:fld>
             <a:endParaRPr lang="en-US"/>
           </a:p>
@@ -1878,7 +1878,7 @@
           <a:p>
             <a:fld id="{7AB69131-528E-47CA-9221-AD941DD4DEED}" type="datetimeFigureOut">
               <a:rPr lang="en-US" smtClean="0"/>
-              <a:t>6/30/2023</a:t>
+              <a:t>7/3/2023</a:t>
             </a:fld>
             <a:endParaRPr lang="en-US"/>
           </a:p>
@@ -2245,7 +2245,7 @@
           <a:p>
             <a:fld id="{7AB69131-528E-47CA-9221-AD941DD4DEED}" type="datetimeFigureOut">
               <a:rPr lang="en-US" smtClean="0"/>
-              <a:t>6/30/2023</a:t>
+              <a:t>7/3/2023</a:t>
             </a:fld>
             <a:endParaRPr lang="en-US"/>
           </a:p>
@@ -2363,7 +2363,7 @@
           <a:p>
             <a:fld id="{7AB69131-528E-47CA-9221-AD941DD4DEED}" type="datetimeFigureOut">
               <a:rPr lang="en-US" smtClean="0"/>
-              <a:t>6/30/2023</a:t>
+              <a:t>7/3/2023</a:t>
             </a:fld>
             <a:endParaRPr lang="en-US"/>
           </a:p>
@@ -2458,7 +2458,7 @@
           <a:p>
             <a:fld id="{7AB69131-528E-47CA-9221-AD941DD4DEED}" type="datetimeFigureOut">
               <a:rPr lang="en-US" smtClean="0"/>
-              <a:t>6/30/2023</a:t>
+              <a:t>7/3/2023</a:t>
             </a:fld>
             <a:endParaRPr lang="en-US"/>
           </a:p>
@@ -2735,7 +2735,7 @@
           <a:p>
             <a:fld id="{7AB69131-528E-47CA-9221-AD941DD4DEED}" type="datetimeFigureOut">
               <a:rPr lang="en-US" smtClean="0"/>
-              <a:t>6/30/2023</a:t>
+              <a:t>7/3/2023</a:t>
             </a:fld>
             <a:endParaRPr lang="en-US"/>
           </a:p>
@@ -2992,7 +2992,7 @@
           <a:p>
             <a:fld id="{7AB69131-528E-47CA-9221-AD941DD4DEED}" type="datetimeFigureOut">
               <a:rPr lang="en-US" smtClean="0"/>
-              <a:t>6/30/2023</a:t>
+              <a:t>7/3/2023</a:t>
             </a:fld>
             <a:endParaRPr lang="en-US"/>
           </a:p>
@@ -3205,7 +3205,7 @@
           <a:p>
             <a:fld id="{7AB69131-528E-47CA-9221-AD941DD4DEED}" type="datetimeFigureOut">
               <a:rPr lang="en-US" smtClean="0"/>
-              <a:t>6/30/2023</a:t>
+              <a:t>7/3/2023</a:t>
             </a:fld>
             <a:endParaRPr lang="en-US"/>
           </a:p>
@@ -4343,7 +4343,7 @@
         </p:nvGrpSpPr>
         <p:grpSpPr>
           <a:xfrm>
-            <a:off x="5744331" y="7964118"/>
+            <a:off x="7248270" y="7964118"/>
             <a:ext cx="7433758" cy="8916308"/>
             <a:chOff x="197126" y="10410679"/>
             <a:chExt cx="8027232" cy="10238858"/>
@@ -4488,7 +4488,7 @@
         </p:nvGrpSpPr>
         <p:grpSpPr>
           <a:xfrm>
-            <a:off x="22704590" y="8449478"/>
+            <a:off x="22945220" y="8449478"/>
             <a:ext cx="7158250" cy="8426849"/>
             <a:chOff x="20896092" y="11148077"/>
             <a:chExt cx="8027232" cy="9501460"/>
@@ -4615,111 +4615,6 @@
           </p:txBody>
         </p:sp>
       </p:grpSp>
-      <p:sp>
-        <p:nvSpPr>
-          <p:cNvPr id="101" name="Oval 100"/>
-          <p:cNvSpPr/>
-          <p:nvPr/>
-        </p:nvSpPr>
-        <p:spPr>
-          <a:xfrm>
-            <a:off x="8995096" y="17950676"/>
-            <a:ext cx="1009651" cy="1025094"/>
-          </a:xfrm>
-          <a:prstGeom prst="ellipse">
-            <a:avLst/>
-          </a:prstGeom>
-          <a:solidFill>
-            <a:schemeClr val="accent2">
-              <a:lumMod val="60000"/>
-              <a:lumOff val="40000"/>
-            </a:schemeClr>
-          </a:solidFill>
-        </p:spPr>
-        <p:style>
-          <a:lnRef idx="2">
-            <a:schemeClr val="accent1">
-              <a:shade val="50000"/>
-            </a:schemeClr>
-          </a:lnRef>
-          <a:fillRef idx="1">
-            <a:schemeClr val="accent1"/>
-          </a:fillRef>
-          <a:effectRef idx="0">
-            <a:schemeClr val="accent1"/>
-          </a:effectRef>
-          <a:fontRef idx="minor">
-            <a:schemeClr val="lt1"/>
-          </a:fontRef>
-        </p:style>
-        <p:txBody>
-          <a:bodyPr rot="0" spcFirstLastPara="0" vertOverflow="overflow" horzOverflow="overflow" vert="horz" wrap="square" lIns="91460" tIns="45730" rIns="91460" bIns="45730" numCol="1" spcCol="0" rtlCol="0" fromWordArt="0" anchor="ctr" anchorCtr="0" forceAA="0" compatLnSpc="1">
-            <a:prstTxWarp prst="textNoShape">
-              <a:avLst/>
-            </a:prstTxWarp>
-            <a:noAutofit/>
-          </a:bodyPr>
-          <a:lstStyle/>
-          <a:p>
-            <a:pPr algn="ctr"/>
-            <a:endParaRPr lang="el-GR"/>
-          </a:p>
-        </p:txBody>
-      </p:sp>
-      <p:sp>
-        <p:nvSpPr>
-          <p:cNvPr id="102" name="Rectangle 101">
-            <a:extLst>
-              <a:ext uri="{FF2B5EF4-FFF2-40B4-BE49-F238E27FC236}">
-                <a16:creationId xmlns:a16="http://schemas.microsoft.com/office/drawing/2014/main" id="{18C20CFF-4BD1-40F4-BFBD-6135A421D18B}"/>
-              </a:ext>
-            </a:extLst>
-          </p:cNvPr>
-          <p:cNvSpPr/>
-          <p:nvPr/>
-        </p:nvSpPr>
-        <p:spPr>
-          <a:xfrm flipH="1">
-            <a:off x="9334292" y="18023840"/>
-            <a:ext cx="369357" cy="830997"/>
-          </a:xfrm>
-          <a:prstGeom prst="rect">
-            <a:avLst/>
-          </a:prstGeom>
-          <a:solidFill>
-            <a:schemeClr val="accent2">
-              <a:lumMod val="60000"/>
-              <a:lumOff val="40000"/>
-            </a:schemeClr>
-          </a:solidFill>
-        </p:spPr>
-        <p:txBody>
-          <a:bodyPr wrap="square">
-            <a:spAutoFit/>
-          </a:bodyPr>
-          <a:lstStyle/>
-          <a:p>
-            <a:pPr algn="ctr"/>
-            <a:r>
-              <a:rPr lang="en-US" sz="4800" b="1" dirty="0">
-                <a:solidFill>
-                  <a:schemeClr val="bg1"/>
-                </a:solidFill>
-                <a:effectLst>
-                  <a:outerShdw blurRad="38100" dist="38100" dir="2700000" algn="tl">
-                    <a:srgbClr val="000000">
-                      <a:alpha val="43137"/>
-                    </a:srgbClr>
-                  </a:outerShdw>
-                </a:effectLst>
-                <a:latin typeface="Arial" panose="020B0604020202020204" pitchFamily="34" charset="0"/>
-                <a:cs typeface="Arial" panose="020B0604020202020204" pitchFamily="34" charset="0"/>
-              </a:rPr>
-              <a:t>2</a:t>
-            </a:r>
-          </a:p>
-        </p:txBody>
-      </p:sp>
       <p:grpSp>
         <p:nvGrpSpPr>
           <p:cNvPr id="114" name="Group 113"/>
@@ -4728,7 +4623,7 @@
         </p:nvGrpSpPr>
         <p:grpSpPr>
           <a:xfrm>
-            <a:off x="13794417" y="6489263"/>
+            <a:off x="14555840" y="6489263"/>
             <a:ext cx="9574066" cy="9129820"/>
             <a:chOff x="9166085" y="6158609"/>
             <a:chExt cx="13496514" cy="12870262"/>
@@ -5142,7 +5037,7 @@
                   <a14:useLocalDpi xmlns:a14="http://schemas.microsoft.com/office/drawing/2010/main" val="0"/>
                 </a:ext>
                 <a:ext uri="{96DAC541-7B7A-43D3-8B79-37D633B846F1}">
-                  <asvg:svgBlip xmlns:asvg="http://schemas.microsoft.com/office/drawing/2016/SVG/main" xmlns="" r:embed="rId12"/>
+                  <asvg:svgBlip xmlns="" xmlns:asvg="http://schemas.microsoft.com/office/drawing/2016/SVG/main" r:embed="rId12"/>
                 </a:ext>
               </a:extLst>
             </a:blip>
@@ -5553,195 +5448,340 @@
           </p:spPr>
         </p:pic>
       </p:grpSp>
-      <p:grpSp>
-        <p:nvGrpSpPr>
-          <p:cNvPr id="31" name="Group 30"/>
-          <p:cNvGrpSpPr/>
+      <p:sp>
+        <p:nvSpPr>
+          <p:cNvPr id="62" name="Rectangle 61">
+            <a:extLst>
+              <a:ext uri="{FF2B5EF4-FFF2-40B4-BE49-F238E27FC236}">
+                <a16:creationId xmlns:a16="http://schemas.microsoft.com/office/drawing/2014/main" id="{18C20CFF-4BD1-40F4-BFBD-6135A421D18B}"/>
+              </a:ext>
+            </a:extLst>
+          </p:cNvPr>
+          <p:cNvSpPr/>
           <p:nvPr/>
-        </p:nvGrpSpPr>
-        <p:grpSpPr>
+        </p:nvSpPr>
+        <p:spPr>
           <a:xfrm>
-            <a:off x="325469" y="6678453"/>
-            <a:ext cx="5013866" cy="10320418"/>
-            <a:chOff x="325469" y="7063461"/>
-            <a:chExt cx="5013866" cy="10320418"/>
+            <a:off x="169924" y="5025032"/>
+            <a:ext cx="29990388" cy="1015791"/>
           </a:xfrm>
-        </p:grpSpPr>
-        <p:sp>
-          <p:nvSpPr>
-            <p:cNvPr id="64" name="Rounded Rectangle 63"/>
-            <p:cNvSpPr/>
-            <p:nvPr/>
-          </p:nvSpPr>
-          <p:spPr>
-            <a:xfrm>
-              <a:off x="325469" y="7063461"/>
-              <a:ext cx="5013866" cy="10320418"/>
-            </a:xfrm>
-            <a:prstGeom prst="roundRect">
+          <a:prstGeom prst="rect">
+            <a:avLst/>
+          </a:prstGeom>
+          <a:solidFill>
+            <a:srgbClr val="90A9AD"/>
+          </a:solidFill>
+        </p:spPr>
+        <p:txBody>
+          <a:bodyPr wrap="square">
+            <a:spAutoFit/>
+          </a:bodyPr>
+          <a:lstStyle/>
+          <a:p>
+            <a:pPr algn="ctr"/>
+            <a:r>
+              <a:rPr lang="en-US" sz="6001" b="1" dirty="0">
+                <a:solidFill>
+                  <a:schemeClr val="bg1"/>
+                </a:solidFill>
+                <a:latin typeface="Arial" panose="020B0604020202020204" pitchFamily="34" charset="0"/>
+                <a:cs typeface="Arial" panose="020B0604020202020204" pitchFamily="34" charset="0"/>
+              </a:rPr>
+              <a:t>1</a:t>
+            </a:r>
+            <a:r>
+              <a:rPr lang="en-US" sz="6001" b="1" dirty="0" smtClean="0">
+                <a:solidFill>
+                  <a:schemeClr val="bg1"/>
+                </a:solidFill>
+                <a:latin typeface="Arial" panose="020B0604020202020204" pitchFamily="34" charset="0"/>
+                <a:cs typeface="Arial" panose="020B0604020202020204" pitchFamily="34" charset="0"/>
+              </a:rPr>
+              <a:t>. </a:t>
+            </a:r>
+            <a:r>
+              <a:rPr lang="en-US" sz="6001" b="1" dirty="0">
+                <a:solidFill>
+                  <a:schemeClr val="bg1"/>
+                </a:solidFill>
+                <a:latin typeface="Arial" panose="020B0604020202020204" pitchFamily="34" charset="0"/>
+                <a:cs typeface="Arial" panose="020B0604020202020204" pitchFamily="34" charset="0"/>
+              </a:rPr>
+              <a:t>Synthetic </a:t>
+            </a:r>
+            <a:r>
+              <a:rPr lang="el-GR" sz="6001" b="1" dirty="0">
+                <a:solidFill>
+                  <a:schemeClr val="bg1"/>
+                </a:solidFill>
+                <a:latin typeface="Arial" panose="020B0604020202020204" pitchFamily="34" charset="0"/>
+                <a:cs typeface="Arial" panose="020B0604020202020204" pitchFamily="34" charset="0"/>
+              </a:rPr>
+              <a:t>«</a:t>
+            </a:r>
+            <a:r>
+              <a:rPr lang="en-US" sz="6001" b="1" dirty="0">
+                <a:solidFill>
+                  <a:schemeClr val="bg1"/>
+                </a:solidFill>
+                <a:latin typeface="Arial" panose="020B0604020202020204" pitchFamily="34" charset="0"/>
+                <a:cs typeface="Arial" panose="020B0604020202020204" pitchFamily="34" charset="0"/>
+              </a:rPr>
+              <a:t>Gold Standard</a:t>
+            </a:r>
+            <a:r>
+              <a:rPr lang="el-GR" sz="6001" b="1" dirty="0">
+                <a:solidFill>
+                  <a:schemeClr val="bg1"/>
+                </a:solidFill>
+                <a:latin typeface="Arial" panose="020B0604020202020204" pitchFamily="34" charset="0"/>
+                <a:cs typeface="Arial" panose="020B0604020202020204" pitchFamily="34" charset="0"/>
+              </a:rPr>
+              <a:t>»</a:t>
+            </a:r>
+            <a:r>
+              <a:rPr lang="en-US" sz="6001" b="1" dirty="0">
+                <a:solidFill>
+                  <a:schemeClr val="bg1"/>
+                </a:solidFill>
+                <a:latin typeface="Arial" panose="020B0604020202020204" pitchFamily="34" charset="0"/>
+                <a:cs typeface="Arial" panose="020B0604020202020204" pitchFamily="34" charset="0"/>
+              </a:rPr>
+              <a:t>  Dataset Generation</a:t>
+            </a:r>
+          </a:p>
+        </p:txBody>
+      </p:sp>
+      <p:sp>
+        <p:nvSpPr>
+          <p:cNvPr id="63" name="Oval 62"/>
+          <p:cNvSpPr/>
+          <p:nvPr/>
+        </p:nvSpPr>
+        <p:spPr>
+          <a:xfrm>
+            <a:off x="5916364" y="5015729"/>
+            <a:ext cx="1009651" cy="1025094"/>
+          </a:xfrm>
+          <a:prstGeom prst="ellipse">
+            <a:avLst/>
+          </a:prstGeom>
+          <a:solidFill>
+            <a:schemeClr val="accent2">
+              <a:lumMod val="60000"/>
+              <a:lumOff val="40000"/>
+            </a:schemeClr>
+          </a:solidFill>
+          <a:ln>
+            <a:solidFill>
+              <a:srgbClr val="224E59"/>
+            </a:solidFill>
+          </a:ln>
+        </p:spPr>
+        <p:style>
+          <a:lnRef idx="2">
+            <a:schemeClr val="accent1">
+              <a:shade val="50000"/>
+            </a:schemeClr>
+          </a:lnRef>
+          <a:fillRef idx="1">
+            <a:schemeClr val="accent1"/>
+          </a:fillRef>
+          <a:effectRef idx="0">
+            <a:schemeClr val="accent1"/>
+          </a:effectRef>
+          <a:fontRef idx="minor">
+            <a:schemeClr val="lt1"/>
+          </a:fontRef>
+        </p:style>
+        <p:txBody>
+          <a:bodyPr rot="0" spcFirstLastPara="0" vertOverflow="overflow" horzOverflow="overflow" vert="horz" wrap="square" lIns="91460" tIns="45730" rIns="91460" bIns="45730" numCol="1" spcCol="0" rtlCol="0" fromWordArt="0" anchor="ctr" anchorCtr="0" forceAA="0" compatLnSpc="1">
+            <a:prstTxWarp prst="textNoShape">
               <a:avLst/>
-            </a:prstGeom>
+            </a:prstTxWarp>
+            <a:noAutofit/>
+          </a:bodyPr>
+          <a:lstStyle/>
+          <a:p>
+            <a:pPr algn="ctr"/>
+            <a:endParaRPr lang="el-GR"/>
+          </a:p>
+        </p:txBody>
+      </p:sp>
+      <p:sp>
+        <p:nvSpPr>
+          <p:cNvPr id="66" name="Rectangle 65">
+            <a:extLst>
+              <a:ext uri="{FF2B5EF4-FFF2-40B4-BE49-F238E27FC236}">
+                <a16:creationId xmlns:a16="http://schemas.microsoft.com/office/drawing/2014/main" id="{18C20CFF-4BD1-40F4-BFBD-6135A421D18B}"/>
+              </a:ext>
+            </a:extLst>
+          </p:cNvPr>
+          <p:cNvSpPr/>
+          <p:nvPr/>
+        </p:nvSpPr>
+        <p:spPr>
+          <a:xfrm flipH="1">
+            <a:off x="6255560" y="5105672"/>
+            <a:ext cx="369357" cy="830997"/>
+          </a:xfrm>
+          <a:prstGeom prst="rect">
+            <a:avLst/>
+          </a:prstGeom>
+          <a:solidFill>
+            <a:schemeClr val="accent2">
+              <a:lumMod val="60000"/>
+              <a:lumOff val="40000"/>
+            </a:schemeClr>
+          </a:solidFill>
+        </p:spPr>
+        <p:txBody>
+          <a:bodyPr wrap="square">
+            <a:spAutoFit/>
+          </a:bodyPr>
+          <a:lstStyle/>
+          <a:p>
+            <a:pPr algn="ctr"/>
+            <a:r>
+              <a:rPr lang="en-US" sz="4800" b="1" dirty="0">
+                <a:solidFill>
+                  <a:schemeClr val="bg1"/>
+                </a:solidFill>
+                <a:effectLst>
+                  <a:outerShdw blurRad="38100" dist="38100" dir="2700000" algn="tl">
+                    <a:srgbClr val="000000">
+                      <a:alpha val="43137"/>
+                    </a:srgbClr>
+                  </a:outerShdw>
+                </a:effectLst>
+                <a:latin typeface="Arial" panose="020B0604020202020204" pitchFamily="34" charset="0"/>
+                <a:cs typeface="Arial" panose="020B0604020202020204" pitchFamily="34" charset="0"/>
+              </a:rPr>
+              <a:t>1</a:t>
+            </a:r>
+          </a:p>
+        </p:txBody>
+      </p:sp>
+      <p:sp>
+        <p:nvSpPr>
+          <p:cNvPr id="101" name="Oval 100"/>
+          <p:cNvSpPr/>
+          <p:nvPr/>
+        </p:nvSpPr>
+        <p:spPr>
+          <a:xfrm>
+            <a:off x="9006526" y="17950676"/>
+            <a:ext cx="1009651" cy="1025094"/>
+          </a:xfrm>
+          <a:prstGeom prst="ellipse">
+            <a:avLst/>
+          </a:prstGeom>
+          <a:solidFill>
+            <a:schemeClr val="accent2">
+              <a:lumMod val="60000"/>
+              <a:lumOff val="40000"/>
+            </a:schemeClr>
+          </a:solidFill>
+          <a:ln>
             <a:solidFill>
-              <a:srgbClr val="90A9AD"/>
+              <a:srgbClr val="224E59"/>
             </a:solidFill>
-            <a:ln>
-              <a:solidFill>
-                <a:srgbClr val="90A9AD"/>
-              </a:solidFill>
-            </a:ln>
-          </p:spPr>
-          <p:style>
-            <a:lnRef idx="2">
-              <a:schemeClr val="accent1">
-                <a:shade val="50000"/>
-              </a:schemeClr>
-            </a:lnRef>
-            <a:fillRef idx="1">
-              <a:schemeClr val="accent1"/>
-            </a:fillRef>
-            <a:effectRef idx="0">
-              <a:schemeClr val="accent1"/>
-            </a:effectRef>
-            <a:fontRef idx="minor">
-              <a:schemeClr val="lt1"/>
-            </a:fontRef>
-          </p:style>
-          <p:txBody>
-            <a:bodyPr rtlCol="0" anchor="ctr"/>
-            <a:lstStyle/>
-            <a:p>
-              <a:pPr algn="ctr"/>
-              <a:endParaRPr lang="el-GR" sz="4000" dirty="0"/>
-            </a:p>
-          </p:txBody>
-        </p:sp>
-        <p:pic>
-          <p:nvPicPr>
-            <p:cNvPr id="14" name="Picture 13"/>
-            <p:cNvPicPr>
-              <a:picLocks noChangeAspect="1"/>
-            </p:cNvPicPr>
-            <p:nvPr/>
-          </p:nvPicPr>
-          <p:blipFill>
-            <a:blip r:embed="rId20"/>
-            <a:stretch>
-              <a:fillRect/>
-            </a:stretch>
-          </p:blipFill>
-          <p:spPr>
-            <a:xfrm>
-              <a:off x="680293" y="12373695"/>
-              <a:ext cx="4285640" cy="4265136"/>
-            </a:xfrm>
-            <a:prstGeom prst="rect">
+          </a:ln>
+        </p:spPr>
+        <p:style>
+          <a:lnRef idx="2">
+            <a:schemeClr val="accent1">
+              <a:shade val="50000"/>
+            </a:schemeClr>
+          </a:lnRef>
+          <a:fillRef idx="1">
+            <a:schemeClr val="accent1"/>
+          </a:fillRef>
+          <a:effectRef idx="0">
+            <a:schemeClr val="accent1"/>
+          </a:effectRef>
+          <a:fontRef idx="minor">
+            <a:schemeClr val="lt1"/>
+          </a:fontRef>
+        </p:style>
+        <p:txBody>
+          <a:bodyPr rot="0" spcFirstLastPara="0" vertOverflow="overflow" horzOverflow="overflow" vert="horz" wrap="square" lIns="91460" tIns="45730" rIns="91460" bIns="45730" numCol="1" spcCol="0" rtlCol="0" fromWordArt="0" anchor="ctr" anchorCtr="0" forceAA="0" compatLnSpc="1">
+            <a:prstTxWarp prst="textNoShape">
               <a:avLst/>
-            </a:prstGeom>
-          </p:spPr>
-        </p:pic>
-        <p:sp>
-          <p:nvSpPr>
-            <p:cNvPr id="15" name="Rectangle 14"/>
-            <p:cNvSpPr/>
-            <p:nvPr/>
-          </p:nvSpPr>
-          <p:spPr>
-            <a:xfrm>
-              <a:off x="374361" y="7563515"/>
-              <a:ext cx="4897504" cy="1938992"/>
-            </a:xfrm>
-            <a:prstGeom prst="rect">
-              <a:avLst/>
-            </a:prstGeom>
-          </p:spPr>
-          <p:txBody>
-            <a:bodyPr wrap="square">
-              <a:spAutoFit/>
-            </a:bodyPr>
-            <a:lstStyle/>
-            <a:p>
-              <a:pPr algn="ctr"/>
-              <a:r>
-                <a:rPr lang="en-US" sz="4000" b="1" u="sng" dirty="0">
-                  <a:solidFill>
-                    <a:schemeClr val="accent2">
-                      <a:lumMod val="20000"/>
-                      <a:lumOff val="80000"/>
-                    </a:schemeClr>
-                  </a:solidFill>
-                  <a:latin typeface="Arial" panose="020B0604020202020204" pitchFamily="34" charset="0"/>
-                  <a:cs typeface="Arial" panose="020B0604020202020204" pitchFamily="34" charset="0"/>
-                </a:rPr>
-                <a:t>To learn more about our work please visit</a:t>
-              </a:r>
-            </a:p>
-          </p:txBody>
-        </p:sp>
-        <p:sp>
-          <p:nvSpPr>
-            <p:cNvPr id="27" name="Striped Right Arrow 26"/>
-            <p:cNvSpPr/>
-            <p:nvPr/>
-          </p:nvSpPr>
-          <p:spPr>
-            <a:xfrm rot="5400000">
-              <a:off x="1538478" y="9735780"/>
-              <a:ext cx="2569271" cy="2417803"/>
-            </a:xfrm>
-            <a:prstGeom prst="stripedRightArrow">
-              <a:avLst/>
-            </a:prstGeom>
-            <a:solidFill>
-              <a:schemeClr val="accent2">
-                <a:lumMod val="20000"/>
-                <a:lumOff val="80000"/>
-              </a:schemeClr>
-            </a:solidFill>
-            <a:ln>
-              <a:solidFill>
-                <a:schemeClr val="accent2">
-                  <a:lumMod val="20000"/>
-                  <a:lumOff val="80000"/>
-                </a:schemeClr>
-              </a:solidFill>
-            </a:ln>
-          </p:spPr>
-          <p:style>
-            <a:lnRef idx="2">
-              <a:schemeClr val="accent1">
-                <a:shade val="50000"/>
-              </a:schemeClr>
-            </a:lnRef>
-            <a:fillRef idx="1">
-              <a:schemeClr val="accent1"/>
-            </a:fillRef>
-            <a:effectRef idx="0">
-              <a:schemeClr val="accent1"/>
-            </a:effectRef>
-            <a:fontRef idx="minor">
-              <a:schemeClr val="lt1"/>
-            </a:fontRef>
-          </p:style>
-          <p:txBody>
-            <a:bodyPr rtlCol="0" anchor="ctr"/>
-            <a:lstStyle/>
-            <a:p>
-              <a:pPr algn="ctr"/>
-              <a:endParaRPr lang="el-GR"/>
-            </a:p>
-          </p:txBody>
-        </p:sp>
-      </p:grpSp>
+            </a:prstTxWarp>
+            <a:noAutofit/>
+          </a:bodyPr>
+          <a:lstStyle/>
+          <a:p>
+            <a:pPr algn="ctr"/>
+            <a:endParaRPr lang="el-GR"/>
+          </a:p>
+        </p:txBody>
+      </p:sp>
+      <p:sp>
+        <p:nvSpPr>
+          <p:cNvPr id="102" name="Rectangle 101">
+            <a:extLst>
+              <a:ext uri="{FF2B5EF4-FFF2-40B4-BE49-F238E27FC236}">
+                <a16:creationId xmlns:a16="http://schemas.microsoft.com/office/drawing/2014/main" id="{18C20CFF-4BD1-40F4-BFBD-6135A421D18B}"/>
+              </a:ext>
+            </a:extLst>
+          </p:cNvPr>
+          <p:cNvSpPr/>
+          <p:nvPr/>
+        </p:nvSpPr>
+        <p:spPr>
+          <a:xfrm flipH="1">
+            <a:off x="9322968" y="18071003"/>
+            <a:ext cx="369357" cy="830997"/>
+          </a:xfrm>
+          <a:prstGeom prst="rect">
+            <a:avLst/>
+          </a:prstGeom>
+          <a:solidFill>
+            <a:schemeClr val="accent2">
+              <a:lumMod val="60000"/>
+              <a:lumOff val="40000"/>
+            </a:schemeClr>
+          </a:solidFill>
+        </p:spPr>
+        <p:txBody>
+          <a:bodyPr wrap="square">
+            <a:spAutoFit/>
+          </a:bodyPr>
+          <a:lstStyle/>
+          <a:p>
+            <a:pPr algn="ctr"/>
+            <a:r>
+              <a:rPr lang="en-US" sz="4800" b="1" dirty="0">
+                <a:solidFill>
+                  <a:schemeClr val="bg1"/>
+                </a:solidFill>
+                <a:effectLst>
+                  <a:outerShdw blurRad="38100" dist="38100" dir="2700000" algn="tl">
+                    <a:srgbClr val="000000">
+                      <a:alpha val="43137"/>
+                    </a:srgbClr>
+                  </a:outerShdw>
+                </a:effectLst>
+                <a:latin typeface="Arial" panose="020B0604020202020204" pitchFamily="34" charset="0"/>
+                <a:cs typeface="Arial" panose="020B0604020202020204" pitchFamily="34" charset="0"/>
+              </a:rPr>
+              <a:t>2</a:t>
+            </a:r>
+          </a:p>
+        </p:txBody>
+      </p:sp>
       <p:pic>
         <p:nvPicPr>
-          <p:cNvPr id="34" name="Picture 33"/>
+          <p:cNvPr id="8" name="Picture 7"/>
           <p:cNvPicPr>
             <a:picLocks noChangeAspect="1"/>
           </p:cNvPicPr>
           <p:nvPr/>
         </p:nvPicPr>
         <p:blipFill>
-          <a:blip r:embed="rId21" cstate="hqprint">
+          <a:blip r:embed="rId20" cstate="print">
             <a:extLst>
               <a:ext uri="{28A0092B-C50C-407E-A947-70E740481C1C}">
                 <a14:useLocalDpi xmlns:a14="http://schemas.microsoft.com/office/drawing/2010/main" val="0"/>
@@ -5754,8 +5794,8 @@
         </p:blipFill>
         <p:spPr>
           <a:xfrm>
-            <a:off x="897285" y="19220269"/>
-            <a:ext cx="28480642" cy="21360481"/>
+            <a:off x="1111433" y="19184726"/>
+            <a:ext cx="28606565" cy="21454924"/>
           </a:xfrm>
           <a:prstGeom prst="rect">
             <a:avLst/>
@@ -5764,14 +5804,145 @@
       </p:pic>
       <p:sp>
         <p:nvSpPr>
+          <p:cNvPr id="60" name="Rectangle 59">
+            <a:extLst>
+              <a:ext uri="{FF2B5EF4-FFF2-40B4-BE49-F238E27FC236}">
+                <a16:creationId xmlns:a16="http://schemas.microsoft.com/office/drawing/2014/main" id="{18C20CFF-4BD1-40F4-BFBD-6135A421D18B}"/>
+              </a:ext>
+            </a:extLst>
+          </p:cNvPr>
+          <p:cNvSpPr/>
+          <p:nvPr/>
+        </p:nvSpPr>
+        <p:spPr>
+          <a:xfrm>
+            <a:off x="718392" y="19007756"/>
+            <a:ext cx="7553176" cy="1077218"/>
+          </a:xfrm>
+          <a:prstGeom prst="rect">
+            <a:avLst/>
+          </a:prstGeom>
+          <a:solidFill>
+            <a:schemeClr val="bg1"/>
+          </a:solidFill>
+        </p:spPr>
+        <p:txBody>
+          <a:bodyPr wrap="square">
+            <a:spAutoFit/>
+          </a:bodyPr>
+          <a:lstStyle/>
+          <a:p>
+            <a:pPr algn="ctr"/>
+            <a:r>
+              <a:rPr lang="en-US" sz="3200" b="1" u="sng" dirty="0" smtClean="0">
+                <a:solidFill>
+                  <a:srgbClr val="224E59"/>
+                </a:solidFill>
+                <a:latin typeface="Arial" panose="020B0604020202020204" pitchFamily="34" charset="0"/>
+                <a:cs typeface="Arial" panose="020B0604020202020204" pitchFamily="34" charset="0"/>
+              </a:rPr>
+              <a:t>Down-sampling of coverag</a:t>
+            </a:r>
+            <a:r>
+              <a:rPr lang="en-US" sz="3200" b="1" u="sng" dirty="0">
+                <a:solidFill>
+                  <a:srgbClr val="224E59"/>
+                </a:solidFill>
+                <a:latin typeface="Arial" panose="020B0604020202020204" pitchFamily="34" charset="0"/>
+                <a:cs typeface="Arial" panose="020B0604020202020204" pitchFamily="34" charset="0"/>
+              </a:rPr>
+              <a:t>e</a:t>
+            </a:r>
+            <a:r>
+              <a:rPr lang="en-US" sz="3200" b="1" u="sng" dirty="0" smtClean="0">
+                <a:solidFill>
+                  <a:srgbClr val="224E59"/>
+                </a:solidFill>
+                <a:latin typeface="Arial" panose="020B0604020202020204" pitchFamily="34" charset="0"/>
+                <a:cs typeface="Arial" panose="020B0604020202020204" pitchFamily="34" charset="0"/>
+              </a:rPr>
+              <a:t> </a:t>
+            </a:r>
+            <a:r>
+              <a:rPr lang="en-US" sz="3200" b="1" u="sng" dirty="0">
+                <a:solidFill>
+                  <a:srgbClr val="224E59"/>
+                </a:solidFill>
+                <a:latin typeface="Arial" panose="020B0604020202020204" pitchFamily="34" charset="0"/>
+                <a:cs typeface="Arial" panose="020B0604020202020204" pitchFamily="34" charset="0"/>
+              </a:rPr>
+              <a:t>of </a:t>
+            </a:r>
+            <a:r>
+              <a:rPr lang="el-GR" sz="3200" b="1" u="sng" dirty="0" smtClean="0">
+                <a:solidFill>
+                  <a:srgbClr val="224E59"/>
+                </a:solidFill>
+                <a:latin typeface="Arial" panose="020B0604020202020204" pitchFamily="34" charset="0"/>
+                <a:cs typeface="Arial" panose="020B0604020202020204" pitchFamily="34" charset="0"/>
+              </a:rPr>
+              <a:t>«</a:t>
+            </a:r>
+            <a:r>
+              <a:rPr lang="en-US" sz="3200" b="1" u="sng" dirty="0">
+                <a:solidFill>
+                  <a:srgbClr val="224E59"/>
+                </a:solidFill>
+                <a:latin typeface="Arial" panose="020B0604020202020204" pitchFamily="34" charset="0"/>
+                <a:cs typeface="Arial" panose="020B0604020202020204" pitchFamily="34" charset="0"/>
+              </a:rPr>
+              <a:t>Ground Truth</a:t>
+            </a:r>
+            <a:r>
+              <a:rPr lang="el-GR" sz="3200" b="1" u="sng" dirty="0" smtClean="0">
+                <a:solidFill>
+                  <a:srgbClr val="224E59"/>
+                </a:solidFill>
+                <a:latin typeface="Arial" panose="020B0604020202020204" pitchFamily="34" charset="0"/>
+                <a:cs typeface="Arial" panose="020B0604020202020204" pitchFamily="34" charset="0"/>
+              </a:rPr>
+              <a:t>»</a:t>
+            </a:r>
+            <a:r>
+              <a:rPr lang="en-US" sz="3200" b="1" u="sng" dirty="0" smtClean="0">
+                <a:solidFill>
+                  <a:srgbClr val="224E59"/>
+                </a:solidFill>
+                <a:latin typeface="Arial" panose="020B0604020202020204" pitchFamily="34" charset="0"/>
+                <a:cs typeface="Arial" panose="020B0604020202020204" pitchFamily="34" charset="0"/>
+              </a:rPr>
+              <a:t> </a:t>
+            </a:r>
+            <a:r>
+              <a:rPr lang="en-US" sz="3200" b="1" u="sng" dirty="0">
+                <a:solidFill>
+                  <a:srgbClr val="224E59"/>
+                </a:solidFill>
+                <a:latin typeface="Arial" panose="020B0604020202020204" pitchFamily="34" charset="0"/>
+                <a:cs typeface="Arial" panose="020B0604020202020204" pitchFamily="34" charset="0"/>
+              </a:rPr>
+              <a:t>Mutations</a:t>
+            </a:r>
+            <a:endParaRPr lang="en-US" sz="3200" b="1" u="sng" dirty="0" smtClean="0">
+              <a:solidFill>
+                <a:srgbClr val="224E59"/>
+              </a:solidFill>
+              <a:latin typeface="Arial" panose="020B0604020202020204" pitchFamily="34" charset="0"/>
+              <a:cs typeface="Arial" panose="020B0604020202020204" pitchFamily="34" charset="0"/>
+            </a:endParaRPr>
+          </a:p>
+        </p:txBody>
+      </p:sp>
+      <p:sp>
+        <p:nvSpPr>
           <p:cNvPr id="74" name="Rounded Rectangular Callout 73"/>
           <p:cNvSpPr/>
           <p:nvPr/>
         </p:nvSpPr>
         <p:spPr>
           <a:xfrm rot="1019409">
-            <a:off x="3863278" y="19867979"/>
-            <a:ext cx="4053675" cy="1240868"/>
+            <a:off x="4781629" y="20874211"/>
+            <a:ext cx="4024775" cy="1356658"/>
           </a:xfrm>
           <a:prstGeom prst="wedgeRoundRectCallout">
             <a:avLst/>
@@ -5812,17 +5983,275 @@
           <a:p>
             <a:pPr algn="ctr"/>
             <a:r>
-              <a:rPr lang="en-US" sz="4000" b="1" dirty="0" smtClean="0">
+              <a:rPr lang="en-US" sz="3600" b="1" dirty="0" smtClean="0">
                 <a:solidFill>
                   <a:srgbClr val="224E59"/>
                 </a:solidFill>
               </a:rPr>
-              <a:t>Down-sampling effect</a:t>
-            </a:r>
-            <a:endParaRPr lang="el-GR" sz="4000" b="1" dirty="0">
+              <a:t>Misrepresentation</a:t>
+            </a:r>
+            <a:r>
+              <a:rPr lang="en-US" sz="3600" b="1" dirty="0" smtClean="0">
+                <a:solidFill>
+                  <a:srgbClr val="224E59"/>
+                </a:solidFill>
+              </a:rPr>
+              <a:t> </a:t>
+            </a:r>
+            <a:r>
+              <a:rPr lang="en-US" sz="3600" b="1" dirty="0" smtClean="0">
+                <a:solidFill>
+                  <a:srgbClr val="224E59"/>
+                </a:solidFill>
+              </a:rPr>
+              <a:t>of information</a:t>
+            </a:r>
+            <a:endParaRPr lang="el-GR" sz="3600" b="1" dirty="0">
               <a:solidFill>
                 <a:srgbClr val="224E59"/>
               </a:solidFill>
+            </a:endParaRPr>
+          </a:p>
+        </p:txBody>
+      </p:sp>
+      <p:sp>
+        <p:nvSpPr>
+          <p:cNvPr id="61" name="Rectangle 60">
+            <a:extLst>
+              <a:ext uri="{FF2B5EF4-FFF2-40B4-BE49-F238E27FC236}">
+                <a16:creationId xmlns:a16="http://schemas.microsoft.com/office/drawing/2014/main" id="{18C20CFF-4BD1-40F4-BFBD-6135A421D18B}"/>
+              </a:ext>
+            </a:extLst>
+          </p:cNvPr>
+          <p:cNvSpPr/>
+          <p:nvPr/>
+        </p:nvSpPr>
+        <p:spPr>
+          <a:xfrm>
+            <a:off x="8072593" y="19007756"/>
+            <a:ext cx="5681507" cy="1077218"/>
+          </a:xfrm>
+          <a:prstGeom prst="rect">
+            <a:avLst/>
+          </a:prstGeom>
+          <a:solidFill>
+            <a:schemeClr val="bg1"/>
+          </a:solidFill>
+        </p:spPr>
+        <p:txBody>
+          <a:bodyPr wrap="square">
+            <a:spAutoFit/>
+          </a:bodyPr>
+          <a:lstStyle/>
+          <a:p>
+            <a:pPr algn="ctr"/>
+            <a:r>
+              <a:rPr lang="en-US" sz="3200" b="1" u="sng" dirty="0" smtClean="0">
+                <a:solidFill>
+                  <a:srgbClr val="224E59"/>
+                </a:solidFill>
+                <a:latin typeface="Arial" panose="020B0604020202020204" pitchFamily="34" charset="0"/>
+                <a:cs typeface="Arial" panose="020B0604020202020204" pitchFamily="34" charset="0"/>
+              </a:rPr>
+              <a:t>Differences in AF of </a:t>
+            </a:r>
+            <a:r>
+              <a:rPr lang="el-GR" sz="3200" b="1" u="sng" dirty="0" smtClean="0">
+                <a:solidFill>
+                  <a:srgbClr val="224E59"/>
+                </a:solidFill>
+                <a:latin typeface="Arial" panose="020B0604020202020204" pitchFamily="34" charset="0"/>
+                <a:cs typeface="Arial" panose="020B0604020202020204" pitchFamily="34" charset="0"/>
+              </a:rPr>
+              <a:t>«</a:t>
+            </a:r>
+            <a:r>
+              <a:rPr lang="en-US" sz="3200" b="1" u="sng" dirty="0">
+                <a:solidFill>
+                  <a:srgbClr val="224E59"/>
+                </a:solidFill>
+                <a:latin typeface="Arial" panose="020B0604020202020204" pitchFamily="34" charset="0"/>
+                <a:cs typeface="Arial" panose="020B0604020202020204" pitchFamily="34" charset="0"/>
+              </a:rPr>
+              <a:t>Ground Truth</a:t>
+            </a:r>
+            <a:r>
+              <a:rPr lang="el-GR" sz="3200" b="1" u="sng" dirty="0" smtClean="0">
+                <a:solidFill>
+                  <a:srgbClr val="224E59"/>
+                </a:solidFill>
+                <a:latin typeface="Arial" panose="020B0604020202020204" pitchFamily="34" charset="0"/>
+                <a:cs typeface="Arial" panose="020B0604020202020204" pitchFamily="34" charset="0"/>
+              </a:rPr>
+              <a:t>»</a:t>
+            </a:r>
+            <a:r>
+              <a:rPr lang="en-US" sz="3200" b="1" u="sng" dirty="0" smtClean="0">
+                <a:solidFill>
+                  <a:srgbClr val="224E59"/>
+                </a:solidFill>
+                <a:latin typeface="Arial" panose="020B0604020202020204" pitchFamily="34" charset="0"/>
+                <a:cs typeface="Arial" panose="020B0604020202020204" pitchFamily="34" charset="0"/>
+              </a:rPr>
+              <a:t> </a:t>
+            </a:r>
+            <a:r>
+              <a:rPr lang="en-US" sz="3200" b="1" u="sng" dirty="0">
+                <a:solidFill>
+                  <a:srgbClr val="224E59"/>
+                </a:solidFill>
+                <a:latin typeface="Arial" panose="020B0604020202020204" pitchFamily="34" charset="0"/>
+                <a:cs typeface="Arial" panose="020B0604020202020204" pitchFamily="34" charset="0"/>
+              </a:rPr>
+              <a:t>Mutations</a:t>
+            </a:r>
+            <a:endParaRPr lang="en-US" sz="3200" b="1" u="sng" dirty="0" smtClean="0">
+              <a:solidFill>
+                <a:srgbClr val="224E59"/>
+              </a:solidFill>
+              <a:latin typeface="Arial" panose="020B0604020202020204" pitchFamily="34" charset="0"/>
+              <a:cs typeface="Arial" panose="020B0604020202020204" pitchFamily="34" charset="0"/>
+            </a:endParaRPr>
+          </a:p>
+        </p:txBody>
+      </p:sp>
+      <p:sp>
+        <p:nvSpPr>
+          <p:cNvPr id="65" name="Rectangle 64">
+            <a:extLst>
+              <a:ext uri="{FF2B5EF4-FFF2-40B4-BE49-F238E27FC236}">
+                <a16:creationId xmlns:a16="http://schemas.microsoft.com/office/drawing/2014/main" id="{18C20CFF-4BD1-40F4-BFBD-6135A421D18B}"/>
+              </a:ext>
+            </a:extLst>
+          </p:cNvPr>
+          <p:cNvSpPr/>
+          <p:nvPr/>
+        </p:nvSpPr>
+        <p:spPr>
+          <a:xfrm>
+            <a:off x="14669236" y="19007756"/>
+            <a:ext cx="14918134" cy="584775"/>
+          </a:xfrm>
+          <a:prstGeom prst="rect">
+            <a:avLst/>
+          </a:prstGeom>
+          <a:solidFill>
+            <a:schemeClr val="bg1"/>
+          </a:solidFill>
+        </p:spPr>
+        <p:txBody>
+          <a:bodyPr wrap="square">
+            <a:spAutoFit/>
+          </a:bodyPr>
+          <a:lstStyle/>
+          <a:p>
+            <a:pPr algn="ctr"/>
+            <a:r>
+              <a:rPr lang="en-US" sz="3200" b="1" u="sng" dirty="0">
+                <a:solidFill>
+                  <a:srgbClr val="224E59"/>
+                </a:solidFill>
+                <a:latin typeface="Arial" panose="020B0604020202020204" pitchFamily="34" charset="0"/>
+                <a:cs typeface="Arial" panose="020B0604020202020204" pitchFamily="34" charset="0"/>
+              </a:rPr>
+              <a:t> </a:t>
+            </a:r>
+            <a:r>
+              <a:rPr lang="en-US" sz="3200" b="1" u="sng" dirty="0" smtClean="0">
+                <a:solidFill>
+                  <a:srgbClr val="224E59"/>
+                </a:solidFill>
+                <a:latin typeface="Arial" panose="020B0604020202020204" pitchFamily="34" charset="0"/>
+                <a:cs typeface="Arial" panose="020B0604020202020204" pitchFamily="34" charset="0"/>
+              </a:rPr>
+              <a:t>Variance in </a:t>
+            </a:r>
+            <a:r>
+              <a:rPr lang="en-US" sz="3200" b="1" u="sng" dirty="0">
+                <a:solidFill>
+                  <a:srgbClr val="224E59"/>
+                </a:solidFill>
+                <a:latin typeface="Arial" panose="020B0604020202020204" pitchFamily="34" charset="0"/>
+                <a:cs typeface="Arial" panose="020B0604020202020204" pitchFamily="34" charset="0"/>
+              </a:rPr>
+              <a:t>AF </a:t>
+            </a:r>
+            <a:r>
+              <a:rPr lang="en-US" sz="3200" b="1" u="sng" dirty="0" smtClean="0">
+                <a:solidFill>
+                  <a:srgbClr val="224E59"/>
+                </a:solidFill>
+                <a:latin typeface="Arial" panose="020B0604020202020204" pitchFamily="34" charset="0"/>
+                <a:cs typeface="Arial" panose="020B0604020202020204" pitchFamily="34" charset="0"/>
+              </a:rPr>
+              <a:t>Density </a:t>
+            </a:r>
+            <a:r>
+              <a:rPr lang="en-US" sz="3200" b="1" u="sng" dirty="0">
+                <a:solidFill>
+                  <a:srgbClr val="224E59"/>
+                </a:solidFill>
+                <a:latin typeface="Arial" panose="020B0604020202020204" pitchFamily="34" charset="0"/>
+                <a:cs typeface="Arial" panose="020B0604020202020204" pitchFamily="34" charset="0"/>
+              </a:rPr>
+              <a:t>plots </a:t>
+            </a:r>
+            <a:r>
+              <a:rPr lang="en-US" sz="3200" b="1" u="sng" dirty="0" smtClean="0">
+                <a:solidFill>
+                  <a:srgbClr val="224E59"/>
+                </a:solidFill>
+                <a:latin typeface="Arial" panose="020B0604020202020204" pitchFamily="34" charset="0"/>
+                <a:cs typeface="Arial" panose="020B0604020202020204" pitchFamily="34" charset="0"/>
+              </a:rPr>
+              <a:t>of </a:t>
+            </a:r>
+            <a:r>
+              <a:rPr lang="el-GR" sz="3200" b="1" u="sng" dirty="0" smtClean="0">
+                <a:solidFill>
+                  <a:srgbClr val="224E59"/>
+                </a:solidFill>
+                <a:latin typeface="Arial" panose="020B0604020202020204" pitchFamily="34" charset="0"/>
+                <a:cs typeface="Arial" panose="020B0604020202020204" pitchFamily="34" charset="0"/>
+              </a:rPr>
+              <a:t>«</a:t>
+            </a:r>
+            <a:r>
+              <a:rPr lang="en-US" sz="3200" b="1" u="sng" dirty="0">
+                <a:solidFill>
+                  <a:srgbClr val="224E59"/>
+                </a:solidFill>
+                <a:latin typeface="Arial" panose="020B0604020202020204" pitchFamily="34" charset="0"/>
+                <a:cs typeface="Arial" panose="020B0604020202020204" pitchFamily="34" charset="0"/>
+              </a:rPr>
+              <a:t>Ground Truth</a:t>
+            </a:r>
+            <a:r>
+              <a:rPr lang="el-GR" sz="3200" b="1" u="sng" dirty="0" smtClean="0">
+                <a:solidFill>
+                  <a:srgbClr val="224E59"/>
+                </a:solidFill>
+                <a:latin typeface="Arial" panose="020B0604020202020204" pitchFamily="34" charset="0"/>
+                <a:cs typeface="Arial" panose="020B0604020202020204" pitchFamily="34" charset="0"/>
+              </a:rPr>
+              <a:t>»</a:t>
+            </a:r>
+            <a:r>
+              <a:rPr lang="en-US" sz="3200" b="1" u="sng" dirty="0" smtClean="0">
+                <a:solidFill>
+                  <a:srgbClr val="224E59"/>
+                </a:solidFill>
+                <a:latin typeface="Arial" panose="020B0604020202020204" pitchFamily="34" charset="0"/>
+                <a:cs typeface="Arial" panose="020B0604020202020204" pitchFamily="34" charset="0"/>
+              </a:rPr>
+              <a:t> Mutations per DNA Base</a:t>
+            </a:r>
+            <a:endParaRPr lang="en-US" sz="3200" b="1" u="sng" dirty="0">
+              <a:solidFill>
+                <a:srgbClr val="224E59"/>
+              </a:solidFill>
+              <a:latin typeface="Arial" panose="020B0604020202020204" pitchFamily="34" charset="0"/>
+              <a:cs typeface="Arial" panose="020B0604020202020204" pitchFamily="34" charset="0"/>
             </a:endParaRPr>
           </a:p>
         </p:txBody>
@@ -5835,8 +6264,8 @@
         </p:nvGrpSpPr>
         <p:grpSpPr>
           <a:xfrm>
-            <a:off x="6528829" y="30280690"/>
-            <a:ext cx="8939953" cy="1145322"/>
+            <a:off x="5744330" y="30411317"/>
+            <a:ext cx="11434389" cy="980869"/>
             <a:chOff x="10370666" y="29568104"/>
             <a:chExt cx="6677629" cy="1857845"/>
           </a:xfrm>
@@ -5906,8 +6335,8 @@
           </p:nvSpPr>
           <p:spPr>
             <a:xfrm>
-              <a:off x="10370666" y="29568109"/>
-              <a:ext cx="6677629" cy="1857840"/>
+              <a:off x="10370666" y="29568110"/>
+              <a:ext cx="6677629" cy="1857839"/>
             </a:xfrm>
             <a:prstGeom prst="wedgeRoundRectCallout">
               <a:avLst/>
@@ -5948,14 +6377,38 @@
             <a:p>
               <a:pPr algn="ctr"/>
               <a:r>
-                <a:rPr lang="en-US" sz="4000" b="1" dirty="0" smtClean="0">
+                <a:rPr lang="en-US" sz="3600" b="1" dirty="0" smtClean="0">
                   <a:solidFill>
                     <a:srgbClr val="224E59"/>
                   </a:solidFill>
                 </a:rPr>
-                <a:t>Difficulty to identify mutations of low frequencies</a:t>
+                <a:t>Difficulty to identify mutations </a:t>
               </a:r>
-              <a:endParaRPr lang="el-GR" sz="4000" b="1" dirty="0">
+              <a:r>
+                <a:rPr lang="en-US" sz="3600" b="1" dirty="0" smtClean="0">
+                  <a:solidFill>
+                    <a:srgbClr val="224E59"/>
+                  </a:solidFill>
+                </a:rPr>
+                <a:t>at</a:t>
+              </a:r>
+              <a:r>
+                <a:rPr lang="en-US" sz="3600" b="1" dirty="0" smtClean="0">
+                  <a:solidFill>
+                    <a:srgbClr val="224E59"/>
+                  </a:solidFill>
+                </a:rPr>
+                <a:t> </a:t>
+              </a:r>
+              <a:r>
+                <a:rPr lang="en-US" sz="3600" b="1" dirty="0" smtClean="0">
+                  <a:solidFill>
+                    <a:srgbClr val="224E59"/>
+                  </a:solidFill>
+                </a:rPr>
+                <a:t>low frequencies</a:t>
+              </a:r>
+              <a:endParaRPr lang="el-GR" sz="3600" b="1" dirty="0">
                 <a:solidFill>
                   <a:srgbClr val="224E59"/>
                 </a:solidFill>
@@ -5964,51 +6417,207 @@
           </p:txBody>
         </p:sp>
       </p:grpSp>
+      <p:sp>
+        <p:nvSpPr>
+          <p:cNvPr id="68" name="Rectangle 67">
+            <a:extLst>
+              <a:ext uri="{FF2B5EF4-FFF2-40B4-BE49-F238E27FC236}">
+                <a16:creationId xmlns:a16="http://schemas.microsoft.com/office/drawing/2014/main" id="{18C20CFF-4BD1-40F4-BFBD-6135A421D18B}"/>
+              </a:ext>
+            </a:extLst>
+          </p:cNvPr>
+          <p:cNvSpPr/>
+          <p:nvPr/>
+        </p:nvSpPr>
+        <p:spPr>
+          <a:xfrm>
+            <a:off x="2713417" y="39835018"/>
+            <a:ext cx="16928120" cy="584775"/>
+          </a:xfrm>
+          <a:prstGeom prst="rect">
+            <a:avLst/>
+          </a:prstGeom>
+          <a:solidFill>
+            <a:schemeClr val="bg1"/>
+          </a:solidFill>
+        </p:spPr>
+        <p:txBody>
+          <a:bodyPr wrap="square">
+            <a:spAutoFit/>
+          </a:bodyPr>
+          <a:lstStyle/>
+          <a:p>
+            <a:pPr algn="ctr"/>
+            <a:r>
+              <a:rPr lang="en-US" sz="3200" b="1" u="sng" dirty="0" smtClean="0">
+                <a:solidFill>
+                  <a:srgbClr val="224E59"/>
+                </a:solidFill>
+                <a:latin typeface="Arial" panose="020B0604020202020204" pitchFamily="34" charset="0"/>
+                <a:cs typeface="Arial" panose="020B0604020202020204" pitchFamily="34" charset="0"/>
+              </a:rPr>
+              <a:t>Divergence in the identification of SNVs and their AF of </a:t>
+            </a:r>
+            <a:r>
+              <a:rPr lang="el-GR" sz="3200" b="1" u="sng" dirty="0" smtClean="0">
+                <a:solidFill>
+                  <a:srgbClr val="224E59"/>
+                </a:solidFill>
+                <a:latin typeface="Arial" panose="020B0604020202020204" pitchFamily="34" charset="0"/>
+                <a:cs typeface="Arial" panose="020B0604020202020204" pitchFamily="34" charset="0"/>
+              </a:rPr>
+              <a:t>«</a:t>
+            </a:r>
+            <a:r>
+              <a:rPr lang="en-US" sz="3200" b="1" u="sng" dirty="0">
+                <a:solidFill>
+                  <a:srgbClr val="224E59"/>
+                </a:solidFill>
+                <a:latin typeface="Arial" panose="020B0604020202020204" pitchFamily="34" charset="0"/>
+                <a:cs typeface="Arial" panose="020B0604020202020204" pitchFamily="34" charset="0"/>
+              </a:rPr>
+              <a:t>Ground Truth</a:t>
+            </a:r>
+            <a:r>
+              <a:rPr lang="el-GR" sz="3200" b="1" u="sng" dirty="0" smtClean="0">
+                <a:solidFill>
+                  <a:srgbClr val="224E59"/>
+                </a:solidFill>
+                <a:latin typeface="Arial" panose="020B0604020202020204" pitchFamily="34" charset="0"/>
+                <a:cs typeface="Arial" panose="020B0604020202020204" pitchFamily="34" charset="0"/>
+              </a:rPr>
+              <a:t>»</a:t>
+            </a:r>
+            <a:r>
+              <a:rPr lang="en-US" sz="3200" b="1" u="sng" dirty="0" smtClean="0">
+                <a:solidFill>
+                  <a:srgbClr val="224E59"/>
+                </a:solidFill>
+                <a:latin typeface="Arial" panose="020B0604020202020204" pitchFamily="34" charset="0"/>
+                <a:cs typeface="Arial" panose="020B0604020202020204" pitchFamily="34" charset="0"/>
+              </a:rPr>
+              <a:t> </a:t>
+            </a:r>
+            <a:r>
+              <a:rPr lang="en-US" sz="3200" b="1" u="sng" dirty="0">
+                <a:solidFill>
+                  <a:srgbClr val="224E59"/>
+                </a:solidFill>
+                <a:latin typeface="Arial" panose="020B0604020202020204" pitchFamily="34" charset="0"/>
+                <a:cs typeface="Arial" panose="020B0604020202020204" pitchFamily="34" charset="0"/>
+              </a:rPr>
+              <a:t>Mutations</a:t>
+            </a:r>
+            <a:r>
+              <a:rPr lang="en-US" sz="3200" b="1" u="sng" dirty="0" smtClean="0">
+                <a:solidFill>
+                  <a:srgbClr val="224E59"/>
+                </a:solidFill>
+                <a:latin typeface="Arial" panose="020B0604020202020204" pitchFamily="34" charset="0"/>
+                <a:cs typeface="Arial" panose="020B0604020202020204" pitchFamily="34" charset="0"/>
+              </a:rPr>
+              <a:t>  </a:t>
+            </a:r>
+          </a:p>
+        </p:txBody>
+      </p:sp>
+      <p:sp>
+        <p:nvSpPr>
+          <p:cNvPr id="67" name="Rectangle 66">
+            <a:extLst>
+              <a:ext uri="{FF2B5EF4-FFF2-40B4-BE49-F238E27FC236}">
+                <a16:creationId xmlns:a16="http://schemas.microsoft.com/office/drawing/2014/main" id="{18C20CFF-4BD1-40F4-BFBD-6135A421D18B}"/>
+              </a:ext>
+            </a:extLst>
+          </p:cNvPr>
+          <p:cNvSpPr/>
+          <p:nvPr/>
+        </p:nvSpPr>
+        <p:spPr>
+          <a:xfrm>
+            <a:off x="21008256" y="30747638"/>
+            <a:ext cx="7784778" cy="584775"/>
+          </a:xfrm>
+          <a:prstGeom prst="rect">
+            <a:avLst/>
+          </a:prstGeom>
+          <a:solidFill>
+            <a:schemeClr val="bg1"/>
+          </a:solidFill>
+        </p:spPr>
+        <p:txBody>
+          <a:bodyPr wrap="square">
+            <a:spAutoFit/>
+          </a:bodyPr>
+          <a:lstStyle/>
+          <a:p>
+            <a:pPr algn="ctr"/>
+            <a:r>
+              <a:rPr lang="en-US" sz="3200" b="1" u="sng" dirty="0" smtClean="0">
+                <a:solidFill>
+                  <a:srgbClr val="224E59"/>
+                </a:solidFill>
+                <a:latin typeface="Arial" panose="020B0604020202020204" pitchFamily="34" charset="0"/>
+                <a:cs typeface="Arial" panose="020B0604020202020204" pitchFamily="34" charset="0"/>
+              </a:rPr>
+              <a:t>Venn plot of the Overall </a:t>
+            </a:r>
+            <a:r>
+              <a:rPr lang="en-US" sz="3200" b="1" u="sng" dirty="0">
+                <a:solidFill>
+                  <a:srgbClr val="224E59"/>
+                </a:solidFill>
+                <a:latin typeface="Arial" panose="020B0604020202020204" pitchFamily="34" charset="0"/>
+                <a:cs typeface="Arial" panose="020B0604020202020204" pitchFamily="34" charset="0"/>
+              </a:rPr>
+              <a:t>Mutations</a:t>
+            </a:r>
+            <a:endParaRPr lang="en-US" sz="3200" b="1" u="sng" dirty="0" smtClean="0">
+              <a:solidFill>
+                <a:srgbClr val="224E59"/>
+              </a:solidFill>
+              <a:latin typeface="Arial" panose="020B0604020202020204" pitchFamily="34" charset="0"/>
+              <a:cs typeface="Arial" panose="020B0604020202020204" pitchFamily="34" charset="0"/>
+            </a:endParaRPr>
+          </a:p>
+        </p:txBody>
+      </p:sp>
       <p:grpSp>
         <p:nvGrpSpPr>
-          <p:cNvPr id="35" name="Group 34"/>
+          <p:cNvPr id="7" name="Group 6"/>
           <p:cNvGrpSpPr/>
           <p:nvPr/>
         </p:nvGrpSpPr>
         <p:grpSpPr>
           <a:xfrm>
-            <a:off x="22508679" y="37545283"/>
-            <a:ext cx="7330169" cy="1059374"/>
-            <a:chOff x="21267711" y="37610596"/>
-            <a:chExt cx="7330169" cy="1217437"/>
+            <a:off x="20401386" y="37901439"/>
+            <a:ext cx="9661621" cy="2666204"/>
+            <a:chOff x="20796464" y="37082471"/>
+            <a:chExt cx="9168566" cy="2342171"/>
           </a:xfrm>
         </p:grpSpPr>
         <p:sp>
           <p:nvSpPr>
-            <p:cNvPr id="104" name="Rounded Rectangular Callout 103"/>
+            <p:cNvPr id="64" name="Rounded Rectangle 63"/>
             <p:cNvSpPr/>
             <p:nvPr/>
           </p:nvSpPr>
           <p:spPr>
-            <a:xfrm flipV="1">
-              <a:off x="21267711" y="37610596"/>
-              <a:ext cx="7330169" cy="1217437"/>
+            <a:xfrm rot="5400000">
+              <a:off x="24256146" y="33715759"/>
+              <a:ext cx="2342171" cy="9075596"/>
             </a:xfrm>
-            <a:prstGeom prst="wedgeRoundRectCallout">
-              <a:avLst>
-                <a:gd name="adj1" fmla="val -20833"/>
-                <a:gd name="adj2" fmla="val 62501"/>
-                <a:gd name="adj3" fmla="val 16667"/>
-              </a:avLst>
+            <a:prstGeom prst="roundRect">
+              <a:avLst/>
             </a:prstGeom>
             <a:solidFill>
-              <a:schemeClr val="accent2">
-                <a:lumMod val="20000"/>
-                <a:lumOff val="80000"/>
-              </a:schemeClr>
+              <a:srgbClr val="90A9AD"/>
             </a:solidFill>
-            <a:effectLst>
-              <a:outerShdw blurRad="50800" dist="38100" dir="5400000" algn="t" rotWithShape="0">
-                <a:prstClr val="black">
-                  <a:alpha val="40000"/>
-                </a:prstClr>
-              </a:outerShdw>
-            </a:effectLst>
+            <a:ln>
+              <a:solidFill>
+                <a:srgbClr val="90A9AD"/>
+              </a:solidFill>
+            </a:ln>
           </p:spPr>
           <p:style>
             <a:lnRef idx="2">
@@ -6031,32 +6640,60 @@
             <a:lstStyle/>
             <a:p>
               <a:pPr algn="ctr"/>
-              <a:endParaRPr lang="el-GR" sz="4000" b="1" dirty="0">
-                <a:solidFill>
-                  <a:srgbClr val="224E59"/>
-                </a:solidFill>
-              </a:endParaRPr>
+              <a:endParaRPr lang="el-GR" sz="4000" dirty="0"/>
             </a:p>
           </p:txBody>
         </p:sp>
         <p:sp>
           <p:nvSpPr>
-            <p:cNvPr id="87" name="Rectangle 86">
-              <a:extLst>
-                <a:ext uri="{FF2B5EF4-FFF2-40B4-BE49-F238E27FC236}">
-                  <a16:creationId xmlns:a16="http://schemas.microsoft.com/office/drawing/2014/main" id="{18C20CFF-4BD1-40F4-BFBD-6135A421D18B}"/>
-                </a:ext>
-              </a:extLst>
-            </p:cNvPr>
+            <p:cNvPr id="15" name="Rectangle 14"/>
             <p:cNvSpPr/>
             <p:nvPr/>
           </p:nvSpPr>
           <p:spPr>
             <a:xfrm>
-              <a:off x="21463621" y="37827314"/>
-              <a:ext cx="6769956" cy="707886"/>
+              <a:off x="20796464" y="37337400"/>
+              <a:ext cx="4176686" cy="1938992"/>
             </a:xfrm>
             <a:prstGeom prst="rect">
+              <a:avLst/>
+            </a:prstGeom>
+          </p:spPr>
+          <p:txBody>
+            <a:bodyPr wrap="square">
+              <a:spAutoFit/>
+            </a:bodyPr>
+            <a:lstStyle/>
+            <a:p>
+              <a:pPr algn="r"/>
+              <a:r>
+                <a:rPr lang="en-US" sz="4000" b="1" u="sng" dirty="0">
+                  <a:solidFill>
+                    <a:schemeClr val="accent2">
+                      <a:lumMod val="20000"/>
+                      <a:lumOff val="80000"/>
+                    </a:schemeClr>
+                  </a:solidFill>
+                  <a:latin typeface="Arial" panose="020B0604020202020204" pitchFamily="34" charset="0"/>
+                  <a:cs typeface="Arial" panose="020B0604020202020204" pitchFamily="34" charset="0"/>
+                </a:rPr>
+                <a:t>To learn more about our work please visit</a:t>
+              </a:r>
+            </a:p>
+          </p:txBody>
+        </p:sp>
+        <p:sp>
+          <p:nvSpPr>
+            <p:cNvPr id="27" name="Striped Right Arrow 26"/>
+            <p:cNvSpPr/>
+            <p:nvPr/>
+          </p:nvSpPr>
+          <p:spPr>
+            <a:xfrm>
+              <a:off x="25291841" y="37370875"/>
+              <a:ext cx="1989321" cy="1872043"/>
+            </a:xfrm>
+            <a:prstGeom prst="stripedRightArrow">
               <a:avLst/>
             </a:prstGeom>
             <a:solidFill>
@@ -6065,6 +6702,141 @@
                 <a:lumOff val="80000"/>
               </a:schemeClr>
             </a:solidFill>
+            <a:ln>
+              <a:solidFill>
+                <a:schemeClr val="accent2">
+                  <a:lumMod val="20000"/>
+                  <a:lumOff val="80000"/>
+                </a:schemeClr>
+              </a:solidFill>
+            </a:ln>
+          </p:spPr>
+          <p:style>
+            <a:lnRef idx="2">
+              <a:schemeClr val="accent1">
+                <a:shade val="50000"/>
+              </a:schemeClr>
+            </a:lnRef>
+            <a:fillRef idx="1">
+              <a:schemeClr val="accent1"/>
+            </a:fillRef>
+            <a:effectRef idx="0">
+              <a:schemeClr val="accent1"/>
+            </a:effectRef>
+            <a:fontRef idx="minor">
+              <a:schemeClr val="lt1"/>
+            </a:fontRef>
+          </p:style>
+          <p:txBody>
+            <a:bodyPr rtlCol="0" anchor="ctr"/>
+            <a:lstStyle/>
+            <a:p>
+              <a:pPr algn="ctr"/>
+              <a:endParaRPr lang="el-GR"/>
+            </a:p>
+          </p:txBody>
+        </p:sp>
+        <p:pic>
+          <p:nvPicPr>
+            <p:cNvPr id="14" name="Picture 13"/>
+            <p:cNvPicPr>
+              <a:picLocks noChangeAspect="1"/>
+            </p:cNvPicPr>
+            <p:nvPr/>
+          </p:nvPicPr>
+          <p:blipFill>
+            <a:blip r:embed="rId21"/>
+            <a:stretch>
+              <a:fillRect/>
+            </a:stretch>
+          </p:blipFill>
+          <p:spPr>
+            <a:xfrm>
+              <a:off x="27568865" y="37230893"/>
+              <a:ext cx="2104699" cy="2094630"/>
+            </a:xfrm>
+            <a:prstGeom prst="rect">
+              <a:avLst/>
+            </a:prstGeom>
+          </p:spPr>
+        </p:pic>
+      </p:grpSp>
+      <p:grpSp>
+        <p:nvGrpSpPr>
+          <p:cNvPr id="16" name="Group 15"/>
+          <p:cNvGrpSpPr/>
+          <p:nvPr/>
+        </p:nvGrpSpPr>
+        <p:grpSpPr>
+          <a:xfrm>
+            <a:off x="275453" y="6489263"/>
+            <a:ext cx="7231499" cy="11077024"/>
+            <a:chOff x="241077" y="6455382"/>
+            <a:chExt cx="7231499" cy="8492537"/>
+          </a:xfrm>
+        </p:grpSpPr>
+        <p:sp>
+          <p:nvSpPr>
+            <p:cNvPr id="70" name="Rounded Rectangle 69"/>
+            <p:cNvSpPr/>
+            <p:nvPr/>
+          </p:nvSpPr>
+          <p:spPr>
+            <a:xfrm rot="10800000">
+              <a:off x="241077" y="6455382"/>
+              <a:ext cx="7231498" cy="8492537"/>
+            </a:xfrm>
+            <a:prstGeom prst="roundRect">
+              <a:avLst/>
+            </a:prstGeom>
+            <a:solidFill>
+              <a:srgbClr val="90A9AD"/>
+            </a:solidFill>
+            <a:ln>
+              <a:solidFill>
+                <a:srgbClr val="90A9AD"/>
+              </a:solidFill>
+            </a:ln>
+          </p:spPr>
+          <p:style>
+            <a:lnRef idx="2">
+              <a:schemeClr val="accent1">
+                <a:shade val="50000"/>
+              </a:schemeClr>
+            </a:lnRef>
+            <a:fillRef idx="1">
+              <a:schemeClr val="accent1"/>
+            </a:fillRef>
+            <a:effectRef idx="0">
+              <a:schemeClr val="accent1"/>
+            </a:effectRef>
+            <a:fontRef idx="minor">
+              <a:schemeClr val="lt1"/>
+            </a:fontRef>
+          </p:style>
+          <p:txBody>
+            <a:bodyPr rtlCol="0" anchor="ctr"/>
+            <a:lstStyle/>
+            <a:p>
+              <a:pPr algn="ctr"/>
+              <a:endParaRPr lang="el-GR" sz="4000" dirty="0"/>
+            </a:p>
+          </p:txBody>
+        </p:sp>
+        <p:sp>
+          <p:nvSpPr>
+            <p:cNvPr id="76" name="Rectangle 75"/>
+            <p:cNvSpPr/>
+            <p:nvPr/>
+          </p:nvSpPr>
+          <p:spPr>
+            <a:xfrm>
+              <a:off x="1656179" y="6825570"/>
+              <a:ext cx="4401294" cy="701496"/>
+            </a:xfrm>
+            <a:prstGeom prst="rect">
+              <a:avLst/>
+            </a:prstGeom>
           </p:spPr>
           <p:txBody>
             <a:bodyPr wrap="square">
@@ -6074,218 +6846,31 @@
             <a:p>
               <a:pPr algn="ctr"/>
               <a:r>
-                <a:rPr lang="en-US" sz="4000" b="1" dirty="0" smtClean="0">
+                <a:rPr lang="en-US" sz="5400" b="1" dirty="0" smtClean="0">
                   <a:solidFill>
-                    <a:srgbClr val="224E59"/>
+                    <a:schemeClr val="accent2">
+                      <a:lumMod val="20000"/>
+                      <a:lumOff val="80000"/>
+                    </a:schemeClr>
                   </a:solidFill>
+                  <a:effectLst>
+                    <a:outerShdw blurRad="38100" dist="38100" dir="2700000" algn="tl">
+                      <a:srgbClr val="000000">
+                        <a:alpha val="43137"/>
+                      </a:srgbClr>
+                    </a:outerShdw>
+                  </a:effectLst>
+                  <a:latin typeface="Arial" panose="020B0604020202020204" pitchFamily="34" charset="0"/>
                   <a:cs typeface="Arial" panose="020B0604020202020204" pitchFamily="34" charset="0"/>
                 </a:rPr>
-                <a:t>Overlap for Entire Dataset</a:t>
+                <a:t>Highlights</a:t>
               </a:r>
-            </a:p>
-          </p:txBody>
-        </p:sp>
-      </p:grpSp>
-      <p:sp>
-        <p:nvSpPr>
-          <p:cNvPr id="62" name="Rectangle 61">
-            <a:extLst>
-              <a:ext uri="{FF2B5EF4-FFF2-40B4-BE49-F238E27FC236}">
-                <a16:creationId xmlns:a16="http://schemas.microsoft.com/office/drawing/2014/main" id="{18C20CFF-4BD1-40F4-BFBD-6135A421D18B}"/>
-              </a:ext>
-            </a:extLst>
-          </p:cNvPr>
-          <p:cNvSpPr/>
-          <p:nvPr/>
-        </p:nvSpPr>
-        <p:spPr>
-          <a:xfrm>
-            <a:off x="169924" y="5025032"/>
-            <a:ext cx="29990388" cy="1015791"/>
-          </a:xfrm>
-          <a:prstGeom prst="rect">
-            <a:avLst/>
-          </a:prstGeom>
-          <a:solidFill>
-            <a:srgbClr val="90A9AD"/>
-          </a:solidFill>
-        </p:spPr>
-        <p:txBody>
-          <a:bodyPr wrap="square">
-            <a:spAutoFit/>
-          </a:bodyPr>
-          <a:lstStyle/>
-          <a:p>
-            <a:pPr algn="ctr"/>
-            <a:r>
-              <a:rPr lang="en-US" sz="6001" b="1" dirty="0">
-                <a:solidFill>
-                  <a:schemeClr val="bg1"/>
-                </a:solidFill>
-                <a:latin typeface="Arial" panose="020B0604020202020204" pitchFamily="34" charset="0"/>
-                <a:cs typeface="Arial" panose="020B0604020202020204" pitchFamily="34" charset="0"/>
-              </a:rPr>
-              <a:t>1</a:t>
-            </a:r>
-            <a:r>
-              <a:rPr lang="en-US" sz="6001" b="1" dirty="0" smtClean="0">
-                <a:solidFill>
-                  <a:schemeClr val="bg1"/>
-                </a:solidFill>
-                <a:latin typeface="Arial" panose="020B0604020202020204" pitchFamily="34" charset="0"/>
-                <a:cs typeface="Arial" panose="020B0604020202020204" pitchFamily="34" charset="0"/>
-              </a:rPr>
-              <a:t>. </a:t>
-            </a:r>
-            <a:r>
-              <a:rPr lang="en-US" sz="6001" b="1" dirty="0">
-                <a:solidFill>
-                  <a:schemeClr val="bg1"/>
-                </a:solidFill>
-                <a:latin typeface="Arial" panose="020B0604020202020204" pitchFamily="34" charset="0"/>
-                <a:cs typeface="Arial" panose="020B0604020202020204" pitchFamily="34" charset="0"/>
-              </a:rPr>
-              <a:t>Synthetic </a:t>
-            </a:r>
-            <a:r>
-              <a:rPr lang="el-GR" sz="6001" b="1" dirty="0">
-                <a:solidFill>
-                  <a:schemeClr val="bg1"/>
-                </a:solidFill>
-                <a:latin typeface="Arial" panose="020B0604020202020204" pitchFamily="34" charset="0"/>
-                <a:cs typeface="Arial" panose="020B0604020202020204" pitchFamily="34" charset="0"/>
-              </a:rPr>
-              <a:t>«</a:t>
-            </a:r>
-            <a:r>
-              <a:rPr lang="en-US" sz="6001" b="1" dirty="0">
-                <a:solidFill>
-                  <a:schemeClr val="bg1"/>
-                </a:solidFill>
-                <a:latin typeface="Arial" panose="020B0604020202020204" pitchFamily="34" charset="0"/>
-                <a:cs typeface="Arial" panose="020B0604020202020204" pitchFamily="34" charset="0"/>
-              </a:rPr>
-              <a:t>Gold Standard</a:t>
-            </a:r>
-            <a:r>
-              <a:rPr lang="el-GR" sz="6001" b="1" dirty="0">
-                <a:solidFill>
-                  <a:schemeClr val="bg1"/>
-                </a:solidFill>
-                <a:latin typeface="Arial" panose="020B0604020202020204" pitchFamily="34" charset="0"/>
-                <a:cs typeface="Arial" panose="020B0604020202020204" pitchFamily="34" charset="0"/>
-              </a:rPr>
-              <a:t>»</a:t>
-            </a:r>
-            <a:r>
-              <a:rPr lang="en-US" sz="6001" b="1" dirty="0">
-                <a:solidFill>
-                  <a:schemeClr val="bg1"/>
-                </a:solidFill>
-                <a:latin typeface="Arial" panose="020B0604020202020204" pitchFamily="34" charset="0"/>
-                <a:cs typeface="Arial" panose="020B0604020202020204" pitchFamily="34" charset="0"/>
-              </a:rPr>
-              <a:t>  Dataset Generation</a:t>
-            </a:r>
-            <a:endParaRPr lang="en-US" sz="6001" b="1" dirty="0">
-              <a:solidFill>
-                <a:schemeClr val="bg1"/>
-              </a:solidFill>
-              <a:latin typeface="Arial" panose="020B0604020202020204" pitchFamily="34" charset="0"/>
-              <a:cs typeface="Arial" panose="020B0604020202020204" pitchFamily="34" charset="0"/>
-            </a:endParaRPr>
-          </a:p>
-        </p:txBody>
-      </p:sp>
-      <p:sp>
-        <p:nvSpPr>
-          <p:cNvPr id="63" name="Oval 62"/>
-          <p:cNvSpPr/>
-          <p:nvPr/>
-        </p:nvSpPr>
-        <p:spPr>
-          <a:xfrm>
-            <a:off x="5916364" y="5015729"/>
-            <a:ext cx="1009651" cy="1025094"/>
-          </a:xfrm>
-          <a:prstGeom prst="ellipse">
-            <a:avLst/>
-          </a:prstGeom>
-          <a:solidFill>
-            <a:schemeClr val="accent2">
-              <a:lumMod val="60000"/>
-              <a:lumOff val="40000"/>
-            </a:schemeClr>
-          </a:solidFill>
-        </p:spPr>
-        <p:style>
-          <a:lnRef idx="2">
-            <a:schemeClr val="accent1">
-              <a:shade val="50000"/>
-            </a:schemeClr>
-          </a:lnRef>
-          <a:fillRef idx="1">
-            <a:schemeClr val="accent1"/>
-          </a:fillRef>
-          <a:effectRef idx="0">
-            <a:schemeClr val="accent1"/>
-          </a:effectRef>
-          <a:fontRef idx="minor">
-            <a:schemeClr val="lt1"/>
-          </a:fontRef>
-        </p:style>
-        <p:txBody>
-          <a:bodyPr rot="0" spcFirstLastPara="0" vertOverflow="overflow" horzOverflow="overflow" vert="horz" wrap="square" lIns="91460" tIns="45730" rIns="91460" bIns="45730" numCol="1" spcCol="0" rtlCol="0" fromWordArt="0" anchor="ctr" anchorCtr="0" forceAA="0" compatLnSpc="1">
-            <a:prstTxWarp prst="textNoShape">
-              <a:avLst/>
-            </a:prstTxWarp>
-            <a:noAutofit/>
-          </a:bodyPr>
-          <a:lstStyle/>
-          <a:p>
-            <a:pPr algn="ctr"/>
-            <a:endParaRPr lang="el-GR"/>
-          </a:p>
-        </p:txBody>
-      </p:sp>
-      <p:sp>
-        <p:nvSpPr>
-          <p:cNvPr id="66" name="Rectangle 65">
-            <a:extLst>
-              <a:ext uri="{FF2B5EF4-FFF2-40B4-BE49-F238E27FC236}">
-                <a16:creationId xmlns:a16="http://schemas.microsoft.com/office/drawing/2014/main" id="{18C20CFF-4BD1-40F4-BFBD-6135A421D18B}"/>
-              </a:ext>
-            </a:extLst>
-          </p:cNvPr>
-          <p:cNvSpPr/>
-          <p:nvPr/>
-        </p:nvSpPr>
-        <p:spPr>
-          <a:xfrm flipH="1">
-            <a:off x="6255560" y="5105672"/>
-            <a:ext cx="369357" cy="830997"/>
-          </a:xfrm>
-          <a:prstGeom prst="rect">
-            <a:avLst/>
-          </a:prstGeom>
-          <a:solidFill>
-            <a:schemeClr val="accent2">
-              <a:lumMod val="60000"/>
-              <a:lumOff val="40000"/>
-            </a:schemeClr>
-          </a:solidFill>
-        </p:spPr>
-        <p:txBody>
-          <a:bodyPr wrap="square">
-            <a:spAutoFit/>
-          </a:bodyPr>
-          <a:lstStyle/>
-          <a:p>
-            <a:pPr algn="ctr"/>
-            <a:r>
-              <a:rPr lang="en-US" sz="4800" b="1" dirty="0">
-                <a:solidFill>
-                  <a:schemeClr val="bg1"/>
+              <a:endParaRPr lang="en-US" sz="5400" b="1" dirty="0">
+                <a:solidFill>
+                  <a:schemeClr val="accent2">
+                    <a:lumMod val="20000"/>
+                    <a:lumOff val="80000"/>
+                  </a:schemeClr>
                 </a:solidFill>
                 <a:effectLst>
                   <a:outerShdw blurRad="38100" dist="38100" dir="2700000" algn="tl">
@@ -6296,26 +6881,314 @@
                 </a:effectLst>
                 <a:latin typeface="Arial" panose="020B0604020202020204" pitchFamily="34" charset="0"/>
                 <a:cs typeface="Arial" panose="020B0604020202020204" pitchFamily="34" charset="0"/>
-              </a:rPr>
-              <a:t>1</a:t>
-            </a:r>
-            <a:endParaRPr lang="en-US" sz="4800" b="1" dirty="0">
-              <a:solidFill>
-                <a:schemeClr val="bg1"/>
-              </a:solidFill>
-              <a:effectLst>
-                <a:outerShdw blurRad="38100" dist="38100" dir="2700000" algn="tl">
-                  <a:srgbClr val="000000">
-                    <a:alpha val="43137"/>
-                  </a:srgbClr>
-                </a:outerShdw>
-              </a:effectLst>
-              <a:latin typeface="Arial" panose="020B0604020202020204" pitchFamily="34" charset="0"/>
-              <a:cs typeface="Arial" panose="020B0604020202020204" pitchFamily="34" charset="0"/>
-            </a:endParaRPr>
-          </a:p>
-        </p:txBody>
-      </p:sp>
+              </a:endParaRPr>
+            </a:p>
+          </p:txBody>
+        </p:sp>
+        <p:sp>
+          <p:nvSpPr>
+            <p:cNvPr id="78" name="Rectangle 77"/>
+            <p:cNvSpPr/>
+            <p:nvPr/>
+          </p:nvSpPr>
+          <p:spPr>
+            <a:xfrm>
+              <a:off x="370798" y="7797868"/>
+              <a:ext cx="7101778" cy="6819425"/>
+            </a:xfrm>
+            <a:prstGeom prst="rect">
+              <a:avLst/>
+            </a:prstGeom>
+          </p:spPr>
+          <p:txBody>
+            <a:bodyPr wrap="square">
+              <a:spAutoFit/>
+            </a:bodyPr>
+            <a:lstStyle/>
+            <a:p>
+              <a:pPr marL="571500" indent="-571500">
+                <a:buFont typeface="Arial" panose="020B0604020202020204" pitchFamily="34" charset="0"/>
+                <a:buChar char="•"/>
+              </a:pPr>
+              <a:r>
+                <a:rPr lang="en-US" sz="4400" dirty="0" smtClean="0">
+                  <a:solidFill>
+                    <a:schemeClr val="accent2">
+                      <a:lumMod val="20000"/>
+                      <a:lumOff val="80000"/>
+                    </a:schemeClr>
+                  </a:solidFill>
+                  <a:effectLst>
+                    <a:outerShdw blurRad="38100" dist="38100" dir="2700000" algn="tl">
+                      <a:srgbClr val="000000">
+                        <a:alpha val="43137"/>
+                      </a:srgbClr>
+                    </a:outerShdw>
+                  </a:effectLst>
+                  <a:latin typeface="Arial" panose="020B0604020202020204" pitchFamily="34" charset="0"/>
+                  <a:cs typeface="Arial" panose="020B0604020202020204" pitchFamily="34" charset="0"/>
+                </a:rPr>
+                <a:t>Generation of </a:t>
+              </a:r>
+              <a:r>
+                <a:rPr lang="en-US" sz="4400" b="1" dirty="0" smtClean="0">
+                  <a:solidFill>
+                    <a:schemeClr val="accent2">
+                      <a:lumMod val="20000"/>
+                      <a:lumOff val="80000"/>
+                    </a:schemeClr>
+                  </a:solidFill>
+                  <a:effectLst>
+                    <a:outerShdw blurRad="38100" dist="38100" dir="2700000" algn="tl">
+                      <a:srgbClr val="000000">
+                        <a:alpha val="43137"/>
+                      </a:srgbClr>
+                    </a:outerShdw>
+                  </a:effectLst>
+                  <a:latin typeface="Arial" panose="020B0604020202020204" pitchFamily="34" charset="0"/>
+                  <a:cs typeface="Arial" panose="020B0604020202020204" pitchFamily="34" charset="0"/>
+                </a:rPr>
+                <a:t>synthetic genomics</a:t>
+              </a:r>
+              <a:r>
+                <a:rPr lang="en-US" sz="4400" dirty="0" smtClean="0">
+                  <a:solidFill>
+                    <a:schemeClr val="accent2">
+                      <a:lumMod val="20000"/>
+                      <a:lumOff val="80000"/>
+                    </a:schemeClr>
+                  </a:solidFill>
+                  <a:effectLst>
+                    <a:outerShdw blurRad="38100" dist="38100" dir="2700000" algn="tl">
+                      <a:srgbClr val="000000">
+                        <a:alpha val="43137"/>
+                      </a:srgbClr>
+                    </a:outerShdw>
+                  </a:effectLst>
+                  <a:latin typeface="Arial" panose="020B0604020202020204" pitchFamily="34" charset="0"/>
+                  <a:cs typeface="Arial" panose="020B0604020202020204" pitchFamily="34" charset="0"/>
+                </a:rPr>
+                <a:t> data based on TP53 gene</a:t>
+              </a:r>
+            </a:p>
+            <a:p>
+              <a:pPr marL="571500" indent="-571500">
+                <a:buFont typeface="Arial" panose="020B0604020202020204" pitchFamily="34" charset="0"/>
+                <a:buChar char="•"/>
+              </a:pPr>
+              <a:endParaRPr lang="en-US" sz="4400" dirty="0">
+                <a:solidFill>
+                  <a:schemeClr val="accent2">
+                    <a:lumMod val="20000"/>
+                    <a:lumOff val="80000"/>
+                  </a:schemeClr>
+                </a:solidFill>
+                <a:effectLst>
+                  <a:outerShdw blurRad="38100" dist="38100" dir="2700000" algn="tl">
+                    <a:srgbClr val="000000">
+                      <a:alpha val="43137"/>
+                    </a:srgbClr>
+                  </a:outerShdw>
+                </a:effectLst>
+                <a:latin typeface="Arial" panose="020B0604020202020204" pitchFamily="34" charset="0"/>
+                <a:cs typeface="Arial" panose="020B0604020202020204" pitchFamily="34" charset="0"/>
+              </a:endParaRPr>
+            </a:p>
+            <a:p>
+              <a:pPr marL="571500" indent="-571500">
+                <a:buFont typeface="Arial" panose="020B0604020202020204" pitchFamily="34" charset="0"/>
+                <a:buChar char="•"/>
+              </a:pPr>
+              <a:r>
+                <a:rPr lang="en-US" sz="4400" dirty="0" smtClean="0">
+                  <a:solidFill>
+                    <a:schemeClr val="accent2">
+                      <a:lumMod val="20000"/>
+                      <a:lumOff val="80000"/>
+                    </a:schemeClr>
+                  </a:solidFill>
+                  <a:effectLst>
+                    <a:outerShdw blurRad="38100" dist="38100" dir="2700000" algn="tl">
+                      <a:srgbClr val="000000">
+                        <a:alpha val="43137"/>
+                      </a:srgbClr>
+                    </a:outerShdw>
+                  </a:effectLst>
+                  <a:latin typeface="Arial" panose="020B0604020202020204" pitchFamily="34" charset="0"/>
+                  <a:cs typeface="Arial" panose="020B0604020202020204" pitchFamily="34" charset="0"/>
+                </a:rPr>
+                <a:t>Define </a:t>
+              </a:r>
+              <a:r>
+                <a:rPr lang="en-US" sz="4400" b="1" dirty="0" smtClean="0">
+                  <a:solidFill>
+                    <a:schemeClr val="accent2">
+                      <a:lumMod val="20000"/>
+                      <a:lumOff val="80000"/>
+                    </a:schemeClr>
+                  </a:solidFill>
+                  <a:effectLst>
+                    <a:outerShdw blurRad="38100" dist="38100" dir="2700000" algn="tl">
+                      <a:srgbClr val="000000">
+                        <a:alpha val="43137"/>
+                      </a:srgbClr>
+                    </a:outerShdw>
+                  </a:effectLst>
+                  <a:latin typeface="Arial" panose="020B0604020202020204" pitchFamily="34" charset="0"/>
+                  <a:cs typeface="Arial" panose="020B0604020202020204" pitchFamily="34" charset="0"/>
+                </a:rPr>
+                <a:t>«Ground Truth» </a:t>
+              </a:r>
+              <a:r>
+                <a:rPr lang="en-US" sz="4400" dirty="0" smtClean="0">
+                  <a:solidFill>
+                    <a:schemeClr val="accent2">
+                      <a:lumMod val="20000"/>
+                      <a:lumOff val="80000"/>
+                    </a:schemeClr>
+                  </a:solidFill>
+                  <a:effectLst>
+                    <a:outerShdw blurRad="38100" dist="38100" dir="2700000" algn="tl">
+                      <a:srgbClr val="000000">
+                        <a:alpha val="43137"/>
+                      </a:srgbClr>
+                    </a:outerShdw>
+                  </a:effectLst>
+                  <a:latin typeface="Arial" panose="020B0604020202020204" pitchFamily="34" charset="0"/>
+                  <a:cs typeface="Arial" panose="020B0604020202020204" pitchFamily="34" charset="0"/>
+                </a:rPr>
+                <a:t>mutations in order to </a:t>
+              </a:r>
+              <a:r>
+                <a:rPr lang="en-US" sz="4400" b="1" dirty="0" smtClean="0">
+                  <a:solidFill>
+                    <a:schemeClr val="accent2">
+                      <a:lumMod val="20000"/>
+                      <a:lumOff val="80000"/>
+                    </a:schemeClr>
+                  </a:solidFill>
+                  <a:effectLst>
+                    <a:outerShdw blurRad="38100" dist="38100" dir="2700000" algn="tl">
+                      <a:srgbClr val="000000">
+                        <a:alpha val="43137"/>
+                      </a:srgbClr>
+                    </a:outerShdw>
+                  </a:effectLst>
+                  <a:latin typeface="Arial" panose="020B0604020202020204" pitchFamily="34" charset="0"/>
+                  <a:cs typeface="Arial" panose="020B0604020202020204" pitchFamily="34" charset="0"/>
+                </a:rPr>
+                <a:t>benchmark</a:t>
+              </a:r>
+              <a:r>
+                <a:rPr lang="en-US" sz="4400" dirty="0" smtClean="0">
+                  <a:solidFill>
+                    <a:schemeClr val="accent2">
+                      <a:lumMod val="20000"/>
+                      <a:lumOff val="80000"/>
+                    </a:schemeClr>
+                  </a:solidFill>
+                  <a:effectLst>
+                    <a:outerShdw blurRad="38100" dist="38100" dir="2700000" algn="tl">
+                      <a:srgbClr val="000000">
+                        <a:alpha val="43137"/>
+                      </a:srgbClr>
+                    </a:outerShdw>
+                  </a:effectLst>
+                  <a:latin typeface="Arial" panose="020B0604020202020204" pitchFamily="34" charset="0"/>
+                  <a:cs typeface="Arial" panose="020B0604020202020204" pitchFamily="34" charset="0"/>
+                </a:rPr>
+                <a:t> somatic variant callers</a:t>
+              </a:r>
+            </a:p>
+            <a:p>
+              <a:pPr marL="571500" indent="-571500">
+                <a:buFont typeface="Arial" panose="020B0604020202020204" pitchFamily="34" charset="0"/>
+                <a:buChar char="•"/>
+              </a:pPr>
+              <a:endParaRPr lang="en-US" sz="4400" dirty="0">
+                <a:solidFill>
+                  <a:schemeClr val="accent2">
+                    <a:lumMod val="20000"/>
+                    <a:lumOff val="80000"/>
+                  </a:schemeClr>
+                </a:solidFill>
+                <a:effectLst>
+                  <a:outerShdw blurRad="38100" dist="38100" dir="2700000" algn="tl">
+                    <a:srgbClr val="000000">
+                      <a:alpha val="43137"/>
+                    </a:srgbClr>
+                  </a:outerShdw>
+                </a:effectLst>
+                <a:latin typeface="Arial" panose="020B0604020202020204" pitchFamily="34" charset="0"/>
+                <a:cs typeface="Arial" panose="020B0604020202020204" pitchFamily="34" charset="0"/>
+              </a:endParaRPr>
+            </a:p>
+            <a:p>
+              <a:pPr marL="571500" indent="-571500">
+                <a:buFont typeface="Arial" panose="020B0604020202020204" pitchFamily="34" charset="0"/>
+                <a:buChar char="•"/>
+              </a:pPr>
+              <a:r>
+                <a:rPr lang="en-US" sz="4400" dirty="0" smtClean="0">
+                  <a:solidFill>
+                    <a:schemeClr val="accent2">
+                      <a:lumMod val="20000"/>
+                      <a:lumOff val="80000"/>
+                    </a:schemeClr>
+                  </a:solidFill>
+                  <a:effectLst>
+                    <a:outerShdw blurRad="38100" dist="38100" dir="2700000" algn="tl">
+                      <a:srgbClr val="000000">
+                        <a:alpha val="43137"/>
+                      </a:srgbClr>
+                    </a:outerShdw>
+                  </a:effectLst>
+                  <a:latin typeface="Arial" panose="020B0604020202020204" pitchFamily="34" charset="0"/>
+                  <a:cs typeface="Arial" panose="020B0604020202020204" pitchFamily="34" charset="0"/>
+                </a:rPr>
+                <a:t>Investigate the impact of variant callers in mutations at </a:t>
+              </a:r>
+              <a:r>
+                <a:rPr lang="en-US" sz="4400" b="1" dirty="0" smtClean="0">
+                  <a:solidFill>
+                    <a:schemeClr val="accent2">
+                      <a:lumMod val="20000"/>
+                      <a:lumOff val="80000"/>
+                    </a:schemeClr>
+                  </a:solidFill>
+                  <a:effectLst>
+                    <a:outerShdw blurRad="38100" dist="38100" dir="2700000" algn="tl">
+                      <a:srgbClr val="000000">
+                        <a:alpha val="43137"/>
+                      </a:srgbClr>
+                    </a:outerShdw>
+                  </a:effectLst>
+                  <a:latin typeface="Arial" panose="020B0604020202020204" pitchFamily="34" charset="0"/>
+                  <a:cs typeface="Arial" panose="020B0604020202020204" pitchFamily="34" charset="0"/>
+                </a:rPr>
+                <a:t>low frequencies</a:t>
+              </a:r>
+              <a:endParaRPr lang="en-US" sz="4400" b="1" dirty="0">
+                <a:solidFill>
+                  <a:schemeClr val="accent2">
+                    <a:lumMod val="20000"/>
+                    <a:lumOff val="80000"/>
+                  </a:schemeClr>
+                </a:solidFill>
+                <a:effectLst>
+                  <a:outerShdw blurRad="38100" dist="38100" dir="2700000" algn="tl">
+                    <a:srgbClr val="000000">
+                      <a:alpha val="43137"/>
+                    </a:srgbClr>
+                  </a:outerShdw>
+                </a:effectLst>
+                <a:latin typeface="Arial" panose="020B0604020202020204" pitchFamily="34" charset="0"/>
+                <a:cs typeface="Arial" panose="020B0604020202020204" pitchFamily="34" charset="0"/>
+              </a:endParaRPr>
+            </a:p>
+          </p:txBody>
+        </p:sp>
+      </p:grpSp>
     </p:spTree>
     <p:extLst>
       <p:ext uri="{BB962C8B-B14F-4D97-AF65-F5344CB8AC3E}">

--- a/poster_final_v2.pptx
+++ b/poster_final_v2.pptx
@@ -3659,7 +3659,10 @@
           <a:lstStyle/>
           <a:p>
             <a:pPr algn="ctr"/>
-            <a:endParaRPr lang="el-GR"/>
+            <a:endParaRPr lang="el-GR">
+              <a:latin typeface="Arial" panose="020B0604020202020204" pitchFamily="34" charset="0"/>
+              <a:cs typeface="Arial" panose="020B0604020202020204" pitchFamily="34" charset="0"/>
+            </a:endParaRPr>
           </a:p>
         </p:txBody>
       </p:sp>
@@ -4269,7 +4272,10 @@
             <a:lstStyle/>
             <a:p>
               <a:pPr algn="ctr"/>
-              <a:endParaRPr lang="el-GR"/>
+              <a:endParaRPr lang="el-GR">
+                <a:latin typeface="Arial" panose="020B0604020202020204" pitchFamily="34" charset="0"/>
+                <a:cs typeface="Arial" panose="020B0604020202020204" pitchFamily="34" charset="0"/>
+              </a:endParaRPr>
             </a:p>
           </p:txBody>
         </p:sp>
@@ -4344,9 +4350,9 @@
         <p:grpSpPr>
           <a:xfrm>
             <a:off x="7248270" y="7964118"/>
-            <a:ext cx="7433758" cy="8916308"/>
+            <a:ext cx="7433758" cy="9246278"/>
             <a:chOff x="197126" y="10410679"/>
-            <a:chExt cx="8027232" cy="10238858"/>
+            <a:chExt cx="8027232" cy="10617772"/>
           </a:xfrm>
         </p:grpSpPr>
         <p:pic>
@@ -4394,7 +4400,7 @@
           <p:spPr>
             <a:xfrm>
               <a:off x="197126" y="18094992"/>
-              <a:ext cx="8027232" cy="2554545"/>
+              <a:ext cx="8027232" cy="2933459"/>
             </a:xfrm>
             <a:prstGeom prst="rect">
               <a:avLst/>
@@ -4489,9 +4495,9 @@
         <p:grpSpPr>
           <a:xfrm>
             <a:off x="22945220" y="8449478"/>
-            <a:ext cx="7158250" cy="8426849"/>
+            <a:ext cx="7158250" cy="8715767"/>
             <a:chOff x="20896092" y="11148077"/>
-            <a:chExt cx="8027232" cy="9501460"/>
+            <a:chExt cx="8027232" cy="9827221"/>
           </a:xfrm>
         </p:grpSpPr>
         <p:pic>
@@ -4539,7 +4545,7 @@
           <p:spPr>
             <a:xfrm>
               <a:off x="20896092" y="18094992"/>
-              <a:ext cx="8027232" cy="2554545"/>
+              <a:ext cx="8027232" cy="2880306"/>
             </a:xfrm>
             <a:prstGeom prst="rect">
               <a:avLst/>
@@ -4732,7 +4738,10 @@
                 <a:lstStyle/>
                 <a:p>
                   <a:pPr algn="ctr"/>
-                  <a:endParaRPr lang="el-GR" b="1" dirty="0"/>
+                  <a:endParaRPr lang="el-GR" b="1" dirty="0">
+                    <a:latin typeface="Arial" panose="020B0604020202020204" pitchFamily="34" charset="0"/>
+                    <a:cs typeface="Arial" panose="020B0604020202020204" pitchFamily="34" charset="0"/>
+                  </a:endParaRPr>
                 </a:p>
               </p:txBody>
             </p:sp>
@@ -4901,7 +4910,10 @@
             <a:lstStyle/>
             <a:p>
               <a:pPr algn="ctr"/>
-              <a:endParaRPr lang="el-GR"/>
+              <a:endParaRPr lang="el-GR">
+                <a:latin typeface="Arial" panose="020B0604020202020204" pitchFamily="34" charset="0"/>
+                <a:cs typeface="Arial" panose="020B0604020202020204" pitchFamily="34" charset="0"/>
+              </a:endParaRPr>
             </a:p>
           </p:txBody>
         </p:sp>
@@ -5604,7 +5616,10 @@
           <a:lstStyle/>
           <a:p>
             <a:pPr algn="ctr"/>
-            <a:endParaRPr lang="el-GR"/>
+            <a:endParaRPr lang="el-GR">
+              <a:latin typeface="Arial" panose="020B0604020202020204" pitchFamily="34" charset="0"/>
+              <a:cs typeface="Arial" panose="020B0604020202020204" pitchFamily="34" charset="0"/>
+            </a:endParaRPr>
           </a:p>
         </p:txBody>
       </p:sp>
@@ -5714,7 +5729,10 @@
           <a:lstStyle/>
           <a:p>
             <a:pPr algn="ctr"/>
-            <a:endParaRPr lang="el-GR"/>
+            <a:endParaRPr lang="el-GR">
+              <a:latin typeface="Arial" panose="020B0604020202020204" pitchFamily="34" charset="0"/>
+              <a:cs typeface="Arial" panose="020B0604020202020204" pitchFamily="34" charset="0"/>
+            </a:endParaRPr>
           </a:p>
         </p:txBody>
       </p:sp>
@@ -5816,7 +5834,7 @@
         </p:nvSpPr>
         <p:spPr>
           <a:xfrm>
-            <a:off x="718392" y="19007756"/>
+            <a:off x="718392" y="19099196"/>
             <a:ext cx="7553176" cy="1077218"/>
           </a:xfrm>
           <a:prstGeom prst="rect">
@@ -5941,8 +5959,8 @@
         </p:nvSpPr>
         <p:spPr>
           <a:xfrm rot="1019409">
-            <a:off x="4781629" y="20874211"/>
-            <a:ext cx="4024775" cy="1356658"/>
+            <a:off x="4449269" y="20819536"/>
+            <a:ext cx="4589338" cy="1356658"/>
           </a:xfrm>
           <a:prstGeom prst="wedgeRoundRectCallout">
             <a:avLst/>
@@ -5987,29 +6005,17 @@
                 <a:solidFill>
                   <a:srgbClr val="224E59"/>
                 </a:solidFill>
+                <a:latin typeface="Arial" panose="020B0604020202020204" pitchFamily="34" charset="0"/>
+                <a:cs typeface="Arial" panose="020B0604020202020204" pitchFamily="34" charset="0"/>
               </a:rPr>
-              <a:t>Misrepresentation</a:t>
-            </a:r>
-            <a:r>
-              <a:rPr lang="en-US" sz="3600" b="1" dirty="0" smtClean="0">
-                <a:solidFill>
-                  <a:srgbClr val="224E59"/>
-                </a:solidFill>
-              </a:rPr>
-              <a:t> </a:t>
-            </a:r>
-            <a:r>
-              <a:rPr lang="en-US" sz="3600" b="1" dirty="0" smtClean="0">
-                <a:solidFill>
-                  <a:srgbClr val="224E59"/>
-                </a:solidFill>
-              </a:rPr>
-              <a:t>of information</a:t>
+              <a:t>Misrepresentation of information</a:t>
             </a:r>
             <a:endParaRPr lang="el-GR" sz="3600" b="1" dirty="0">
               <a:solidFill>
                 <a:srgbClr val="224E59"/>
               </a:solidFill>
+              <a:latin typeface="Arial" panose="020B0604020202020204" pitchFamily="34" charset="0"/>
+              <a:cs typeface="Arial" panose="020B0604020202020204" pitchFamily="34" charset="0"/>
             </a:endParaRPr>
           </a:p>
         </p:txBody>
@@ -6028,7 +6034,7 @@
         </p:nvSpPr>
         <p:spPr>
           <a:xfrm>
-            <a:off x="8072593" y="19007756"/>
+            <a:off x="8072593" y="19099196"/>
             <a:ext cx="5681507" cy="1077218"/>
           </a:xfrm>
           <a:prstGeom prst="rect">
@@ -6129,7 +6135,7 @@
         </p:nvSpPr>
         <p:spPr>
           <a:xfrm>
-            <a:off x="14669236" y="19007756"/>
+            <a:off x="14669236" y="19099196"/>
             <a:ext cx="14918134" cy="584775"/>
           </a:xfrm>
           <a:prstGeom prst="rect">
@@ -6323,6 +6329,8 @@
                 <a:solidFill>
                   <a:srgbClr val="90A9AD"/>
                 </a:solidFill>
+                <a:latin typeface="Arial" panose="020B0604020202020204" pitchFamily="34" charset="0"/>
+                <a:cs typeface="Arial" panose="020B0604020202020204" pitchFamily="34" charset="0"/>
               </a:endParaRPr>
             </a:p>
           </p:txBody>
@@ -6381,37 +6389,17 @@
                   <a:solidFill>
                     <a:srgbClr val="224E59"/>
                   </a:solidFill>
+                  <a:latin typeface="Arial" panose="020B0604020202020204" pitchFamily="34" charset="0"/>
+                  <a:cs typeface="Arial" panose="020B0604020202020204" pitchFamily="34" charset="0"/>
                 </a:rPr>
-                <a:t>Difficulty to identify mutations </a:t>
-              </a:r>
-              <a:r>
-                <a:rPr lang="en-US" sz="3600" b="1" dirty="0" smtClean="0">
-                  <a:solidFill>
-                    <a:srgbClr val="224E59"/>
-                  </a:solidFill>
-                </a:rPr>
-                <a:t>at</a:t>
-              </a:r>
-              <a:r>
-                <a:rPr lang="en-US" sz="3600" b="1" dirty="0" smtClean="0">
-                  <a:solidFill>
-                    <a:srgbClr val="224E59"/>
-                  </a:solidFill>
-                </a:rPr>
-                <a:t> </a:t>
-              </a:r>
-              <a:r>
-                <a:rPr lang="en-US" sz="3600" b="1" dirty="0" smtClean="0">
-                  <a:solidFill>
-                    <a:srgbClr val="224E59"/>
-                  </a:solidFill>
-                </a:rPr>
-                <a:t>low frequencies</a:t>
+                <a:t>Difficulty to identify mutations at low frequencies</a:t>
               </a:r>
               <a:endParaRPr lang="el-GR" sz="3600" b="1" dirty="0">
                 <a:solidFill>
                   <a:srgbClr val="224E59"/>
                 </a:solidFill>
+                <a:latin typeface="Arial" panose="020B0604020202020204" pitchFamily="34" charset="0"/>
+                <a:cs typeface="Arial" panose="020B0604020202020204" pitchFamily="34" charset="0"/>
               </a:endParaRPr>
             </a:p>
           </p:txBody>
@@ -6640,7 +6628,10 @@
             <a:lstStyle/>
             <a:p>
               <a:pPr algn="ctr"/>
-              <a:endParaRPr lang="el-GR" sz="4000" dirty="0"/>
+              <a:endParaRPr lang="el-GR" sz="4000" dirty="0">
+                <a:latin typeface="Arial" panose="020B0604020202020204" pitchFamily="34" charset="0"/>
+                <a:cs typeface="Arial" panose="020B0604020202020204" pitchFamily="34" charset="0"/>
+              </a:endParaRPr>
             </a:p>
           </p:txBody>
         </p:sp>
@@ -6653,7 +6644,7 @@
           <p:spPr>
             <a:xfrm>
               <a:off x="20796464" y="37337400"/>
-              <a:ext cx="4176686" cy="1938992"/>
+              <a:ext cx="4176686" cy="1703340"/>
             </a:xfrm>
             <a:prstGeom prst="rect">
               <a:avLst/>
@@ -6732,7 +6723,10 @@
             <a:lstStyle/>
             <a:p>
               <a:pPr algn="ctr"/>
-              <a:endParaRPr lang="el-GR"/>
+              <a:endParaRPr lang="el-GR">
+                <a:latin typeface="Arial" panose="020B0604020202020204" pitchFamily="34" charset="0"/>
+                <a:cs typeface="Arial" panose="020B0604020202020204" pitchFamily="34" charset="0"/>
+              </a:endParaRPr>
             </a:p>
           </p:txBody>
         </p:sp>
@@ -6819,7 +6813,10 @@
             <a:lstStyle/>
             <a:p>
               <a:pPr algn="ctr"/>
-              <a:endParaRPr lang="el-GR" sz="4000" dirty="0"/>
+              <a:endParaRPr lang="el-GR" sz="4000" dirty="0">
+                <a:latin typeface="Arial" panose="020B0604020202020204" pitchFamily="34" charset="0"/>
+                <a:cs typeface="Arial" panose="020B0604020202020204" pitchFamily="34" charset="0"/>
+              </a:endParaRPr>
             </a:p>
           </p:txBody>
         </p:sp>

--- a/poster_final_v2.pptx
+++ b/poster_final_v2.pptx
@@ -235,7 +235,7 @@
           <a:p>
             <a:fld id="{A2C17C0E-7EDB-4075-A298-E3ED005F4C7C}" type="datetimeFigureOut">
               <a:rPr lang="el-GR" smtClean="0"/>
-              <a:t>3/7/2023</a:t>
+              <a:t>4/7/2023</a:t>
             </a:fld>
             <a:endParaRPr lang="el-GR"/>
           </a:p>
@@ -400,7 +400,7 @@
           <a:p>
             <a:fld id="{5F4FDF9D-009C-4A66-9571-998C56D03408}" type="datetimeFigureOut">
               <a:rPr lang="en-US" smtClean="0"/>
-              <a:t>7/3/2023</a:t>
+              <a:t>7/4/2023</a:t>
             </a:fld>
             <a:endParaRPr lang="en-US"/>
           </a:p>
@@ -882,7 +882,7 @@
           <a:p>
             <a:fld id="{7AB69131-528E-47CA-9221-AD941DD4DEED}" type="datetimeFigureOut">
               <a:rPr lang="en-US" smtClean="0"/>
-              <a:t>7/3/2023</a:t>
+              <a:t>7/4/2023</a:t>
             </a:fld>
             <a:endParaRPr lang="en-US"/>
           </a:p>
@@ -1052,7 +1052,7 @@
           <a:p>
             <a:fld id="{7AB69131-528E-47CA-9221-AD941DD4DEED}" type="datetimeFigureOut">
               <a:rPr lang="en-US" smtClean="0"/>
-              <a:t>7/3/2023</a:t>
+              <a:t>7/4/2023</a:t>
             </a:fld>
             <a:endParaRPr lang="en-US"/>
           </a:p>
@@ -1232,7 +1232,7 @@
           <a:p>
             <a:fld id="{7AB69131-528E-47CA-9221-AD941DD4DEED}" type="datetimeFigureOut">
               <a:rPr lang="en-US" smtClean="0"/>
-              <a:t>7/3/2023</a:t>
+              <a:t>7/4/2023</a:t>
             </a:fld>
             <a:endParaRPr lang="en-US"/>
           </a:p>
@@ -1402,7 +1402,7 @@
           <a:p>
             <a:fld id="{7AB69131-528E-47CA-9221-AD941DD4DEED}" type="datetimeFigureOut">
               <a:rPr lang="en-US" smtClean="0"/>
-              <a:t>7/3/2023</a:t>
+              <a:t>7/4/2023</a:t>
             </a:fld>
             <a:endParaRPr lang="en-US"/>
           </a:p>
@@ -1646,7 +1646,7 @@
           <a:p>
             <a:fld id="{7AB69131-528E-47CA-9221-AD941DD4DEED}" type="datetimeFigureOut">
               <a:rPr lang="en-US" smtClean="0"/>
-              <a:t>7/3/2023</a:t>
+              <a:t>7/4/2023</a:t>
             </a:fld>
             <a:endParaRPr lang="en-US"/>
           </a:p>
@@ -1878,7 +1878,7 @@
           <a:p>
             <a:fld id="{7AB69131-528E-47CA-9221-AD941DD4DEED}" type="datetimeFigureOut">
               <a:rPr lang="en-US" smtClean="0"/>
-              <a:t>7/3/2023</a:t>
+              <a:t>7/4/2023</a:t>
             </a:fld>
             <a:endParaRPr lang="en-US"/>
           </a:p>
@@ -2245,7 +2245,7 @@
           <a:p>
             <a:fld id="{7AB69131-528E-47CA-9221-AD941DD4DEED}" type="datetimeFigureOut">
               <a:rPr lang="en-US" smtClean="0"/>
-              <a:t>7/3/2023</a:t>
+              <a:t>7/4/2023</a:t>
             </a:fld>
             <a:endParaRPr lang="en-US"/>
           </a:p>
@@ -2363,7 +2363,7 @@
           <a:p>
             <a:fld id="{7AB69131-528E-47CA-9221-AD941DD4DEED}" type="datetimeFigureOut">
               <a:rPr lang="en-US" smtClean="0"/>
-              <a:t>7/3/2023</a:t>
+              <a:t>7/4/2023</a:t>
             </a:fld>
             <a:endParaRPr lang="en-US"/>
           </a:p>
@@ -2458,7 +2458,7 @@
           <a:p>
             <a:fld id="{7AB69131-528E-47CA-9221-AD941DD4DEED}" type="datetimeFigureOut">
               <a:rPr lang="en-US" smtClean="0"/>
-              <a:t>7/3/2023</a:t>
+              <a:t>7/4/2023</a:t>
             </a:fld>
             <a:endParaRPr lang="en-US"/>
           </a:p>
@@ -2735,7 +2735,7 @@
           <a:p>
             <a:fld id="{7AB69131-528E-47CA-9221-AD941DD4DEED}" type="datetimeFigureOut">
               <a:rPr lang="en-US" smtClean="0"/>
-              <a:t>7/3/2023</a:t>
+              <a:t>7/4/2023</a:t>
             </a:fld>
             <a:endParaRPr lang="en-US"/>
           </a:p>
@@ -2992,7 +2992,7 @@
           <a:p>
             <a:fld id="{7AB69131-528E-47CA-9221-AD941DD4DEED}" type="datetimeFigureOut">
               <a:rPr lang="en-US" smtClean="0"/>
-              <a:t>7/3/2023</a:t>
+              <a:t>7/4/2023</a:t>
             </a:fld>
             <a:endParaRPr lang="en-US"/>
           </a:p>
@@ -3205,7 +3205,7 @@
           <a:p>
             <a:fld id="{7AB69131-528E-47CA-9221-AD941DD4DEED}" type="datetimeFigureOut">
               <a:rPr lang="en-US" smtClean="0"/>
-              <a:t>7/3/2023</a:t>
+              <a:t>7/4/2023</a:t>
             </a:fld>
             <a:endParaRPr lang="en-US"/>
           </a:p>
@@ -4457,7 +4457,37 @@
                   <a:latin typeface="Arial" panose="020B0604020202020204" pitchFamily="34" charset="0"/>
                   <a:cs typeface="Arial" panose="020B0604020202020204" pitchFamily="34" charset="0"/>
                 </a:rPr>
-                <a:t>Gold Standard Mutations of</a:t>
+                <a:t>“Gold Standard” </a:t>
+              </a:r>
+              <a:r>
+                <a:rPr lang="en-US" sz="4000" b="1" dirty="0" smtClean="0">
+                  <a:solidFill>
+                    <a:srgbClr val="224E59"/>
+                  </a:solidFill>
+                  <a:latin typeface="Arial" panose="020B0604020202020204" pitchFamily="34" charset="0"/>
+                  <a:cs typeface="Arial" panose="020B0604020202020204" pitchFamily="34" charset="0"/>
+                </a:rPr>
+                <a:t>Variants</a:t>
+              </a:r>
+              <a:r>
+                <a:rPr lang="en-US" sz="4000" b="1" dirty="0" smtClean="0">
+                  <a:solidFill>
+                    <a:srgbClr val="224E59"/>
+                  </a:solidFill>
+                  <a:latin typeface="Arial" panose="020B0604020202020204" pitchFamily="34" charset="0"/>
+                  <a:cs typeface="Arial" panose="020B0604020202020204" pitchFamily="34" charset="0"/>
+                </a:rPr>
+                <a:t> </a:t>
+              </a:r>
+              <a:r>
+                <a:rPr lang="en-US" sz="4000" b="1" dirty="0" smtClean="0">
+                  <a:solidFill>
+                    <a:srgbClr val="224E59"/>
+                  </a:solidFill>
+                  <a:latin typeface="Arial" panose="020B0604020202020204" pitchFamily="34" charset="0"/>
+                  <a:cs typeface="Arial" panose="020B0604020202020204" pitchFamily="34" charset="0"/>
+                </a:rPr>
+                <a:t>of</a:t>
               </a:r>
             </a:p>
             <a:p>
@@ -4585,15 +4615,22 @@
             <a:p>
               <a:pPr algn="ctr"/>
               <a:r>
-                <a:rPr lang="en-US" sz="4000" b="1" dirty="0" smtClean="0">
+                <a:rPr lang="en-US" sz="4000" b="1" dirty="0">
                   <a:solidFill>
                     <a:srgbClr val="224E59"/>
                   </a:solidFill>
                   <a:latin typeface="Arial" panose="020B0604020202020204" pitchFamily="34" charset="0"/>
                   <a:cs typeface="Arial" panose="020B0604020202020204" pitchFamily="34" charset="0"/>
                 </a:rPr>
-                <a:t>Gold Standard Mutations of</a:t>
+                <a:t>“Gold Standard” Variants of</a:t>
               </a:r>
+              <a:endParaRPr lang="en-US" sz="4000" b="1" dirty="0" smtClean="0">
+                <a:solidFill>
+                  <a:srgbClr val="224E59"/>
+                </a:solidFill>
+                <a:latin typeface="Arial" panose="020B0604020202020204" pitchFamily="34" charset="0"/>
+                <a:cs typeface="Arial" panose="020B0604020202020204" pitchFamily="34" charset="0"/>
+              </a:endParaRPr>
             </a:p>
             <a:p>
               <a:pPr algn="ctr"/>
@@ -5049,7 +5086,7 @@
                   <a14:useLocalDpi xmlns:a14="http://schemas.microsoft.com/office/drawing/2010/main" val="0"/>
                 </a:ext>
                 <a:ext uri="{96DAC541-7B7A-43D3-8B79-37D633B846F1}">
-                  <asvg:svgBlip xmlns="" xmlns:asvg="http://schemas.microsoft.com/office/drawing/2016/SVG/main" r:embed="rId12"/>
+                  <asvg:svgBlip xmlns:asvg="http://schemas.microsoft.com/office/drawing/2016/SVG/main" xmlns="" r:embed="rId12"/>
                 </a:ext>
               </a:extLst>
             </a:blip>
@@ -5542,7 +5579,7 @@
               <a:t>Gold Standard</a:t>
             </a:r>
             <a:r>
-              <a:rPr lang="el-GR" sz="6001" b="1" dirty="0">
+              <a:rPr lang="el-GR" sz="6001" b="1" dirty="0" smtClean="0">
                 <a:solidFill>
                   <a:schemeClr val="bg1"/>
                 </a:solidFill>
@@ -5552,6 +5589,16 @@
               <a:t>»</a:t>
             </a:r>
             <a:r>
+              <a:rPr lang="en-US" sz="6001" b="1" dirty="0" smtClean="0">
+                <a:solidFill>
+                  <a:schemeClr val="bg1"/>
+                </a:solidFill>
+                <a:latin typeface="Arial" panose="020B0604020202020204" pitchFamily="34" charset="0"/>
+                <a:cs typeface="Arial" panose="020B0604020202020204" pitchFamily="34" charset="0"/>
+              </a:rPr>
+              <a:t> </a:t>
+            </a:r>
+            <a:r>
               <a:rPr lang="en-US" sz="6001" b="1" dirty="0">
                 <a:solidFill>
                   <a:schemeClr val="bg1"/>
@@ -5559,7 +5606,7 @@
                 <a:latin typeface="Arial" panose="020B0604020202020204" pitchFamily="34" charset="0"/>
                 <a:cs typeface="Arial" panose="020B0604020202020204" pitchFamily="34" charset="0"/>
               </a:rPr>
-              <a:t>  Dataset Generation</a:t>
+              <a:t>Dataset Generation</a:t>
             </a:r>
           </a:p>
         </p:txBody>
@@ -5790,9 +5837,540 @@
           </a:p>
         </p:txBody>
       </p:sp>
+      <p:grpSp>
+        <p:nvGrpSpPr>
+          <p:cNvPr id="16" name="Group 15"/>
+          <p:cNvGrpSpPr/>
+          <p:nvPr/>
+        </p:nvGrpSpPr>
+        <p:grpSpPr>
+          <a:xfrm>
+            <a:off x="275453" y="6489263"/>
+            <a:ext cx="7231499" cy="10335368"/>
+            <a:chOff x="241077" y="6455382"/>
+            <a:chExt cx="7231499" cy="8492537"/>
+          </a:xfrm>
+        </p:grpSpPr>
+        <p:sp>
+          <p:nvSpPr>
+            <p:cNvPr id="70" name="Rounded Rectangle 69"/>
+            <p:cNvSpPr/>
+            <p:nvPr/>
+          </p:nvSpPr>
+          <p:spPr>
+            <a:xfrm rot="10800000">
+              <a:off x="241077" y="6455382"/>
+              <a:ext cx="7231498" cy="8492537"/>
+            </a:xfrm>
+            <a:prstGeom prst="roundRect">
+              <a:avLst/>
+            </a:prstGeom>
+            <a:solidFill>
+              <a:srgbClr val="90A9AD"/>
+            </a:solidFill>
+            <a:ln>
+              <a:solidFill>
+                <a:srgbClr val="90A9AD"/>
+              </a:solidFill>
+            </a:ln>
+          </p:spPr>
+          <p:style>
+            <a:lnRef idx="2">
+              <a:schemeClr val="accent1">
+                <a:shade val="50000"/>
+              </a:schemeClr>
+            </a:lnRef>
+            <a:fillRef idx="1">
+              <a:schemeClr val="accent1"/>
+            </a:fillRef>
+            <a:effectRef idx="0">
+              <a:schemeClr val="accent1"/>
+            </a:effectRef>
+            <a:fontRef idx="minor">
+              <a:schemeClr val="lt1"/>
+            </a:fontRef>
+          </p:style>
+          <p:txBody>
+            <a:bodyPr rtlCol="0" anchor="ctr"/>
+            <a:lstStyle/>
+            <a:p>
+              <a:pPr algn="ctr"/>
+              <a:endParaRPr lang="el-GR" sz="4000" dirty="0">
+                <a:latin typeface="Arial" panose="020B0604020202020204" pitchFamily="34" charset="0"/>
+                <a:cs typeface="Arial" panose="020B0604020202020204" pitchFamily="34" charset="0"/>
+              </a:endParaRPr>
+            </a:p>
+          </p:txBody>
+        </p:sp>
+        <p:sp>
+          <p:nvSpPr>
+            <p:cNvPr id="76" name="Rectangle 75"/>
+            <p:cNvSpPr/>
+            <p:nvPr/>
+          </p:nvSpPr>
+          <p:spPr>
+            <a:xfrm>
+              <a:off x="1656179" y="6825570"/>
+              <a:ext cx="4401294" cy="701496"/>
+            </a:xfrm>
+            <a:prstGeom prst="rect">
+              <a:avLst/>
+            </a:prstGeom>
+          </p:spPr>
+          <p:txBody>
+            <a:bodyPr wrap="square">
+              <a:spAutoFit/>
+            </a:bodyPr>
+            <a:lstStyle/>
+            <a:p>
+              <a:pPr algn="ctr"/>
+              <a:r>
+                <a:rPr lang="en-US" sz="5400" b="1" dirty="0" smtClean="0">
+                  <a:solidFill>
+                    <a:schemeClr val="accent2">
+                      <a:lumMod val="20000"/>
+                      <a:lumOff val="80000"/>
+                    </a:schemeClr>
+                  </a:solidFill>
+                  <a:effectLst>
+                    <a:outerShdw blurRad="38100" dist="38100" dir="2700000" algn="tl">
+                      <a:srgbClr val="000000">
+                        <a:alpha val="43137"/>
+                      </a:srgbClr>
+                    </a:outerShdw>
+                  </a:effectLst>
+                  <a:latin typeface="Arial" panose="020B0604020202020204" pitchFamily="34" charset="0"/>
+                  <a:cs typeface="Arial" panose="020B0604020202020204" pitchFamily="34" charset="0"/>
+                </a:rPr>
+                <a:t>Highlights</a:t>
+              </a:r>
+              <a:endParaRPr lang="en-US" sz="5400" b="1" dirty="0">
+                <a:solidFill>
+                  <a:schemeClr val="accent2">
+                    <a:lumMod val="20000"/>
+                    <a:lumOff val="80000"/>
+                  </a:schemeClr>
+                </a:solidFill>
+                <a:effectLst>
+                  <a:outerShdw blurRad="38100" dist="38100" dir="2700000" algn="tl">
+                    <a:srgbClr val="000000">
+                      <a:alpha val="43137"/>
+                    </a:srgbClr>
+                  </a:outerShdw>
+                </a:effectLst>
+                <a:latin typeface="Arial" panose="020B0604020202020204" pitchFamily="34" charset="0"/>
+                <a:cs typeface="Arial" panose="020B0604020202020204" pitchFamily="34" charset="0"/>
+              </a:endParaRPr>
+            </a:p>
+          </p:txBody>
+        </p:sp>
+        <p:sp>
+          <p:nvSpPr>
+            <p:cNvPr id="78" name="Rectangle 77"/>
+            <p:cNvSpPr/>
+            <p:nvPr/>
+          </p:nvSpPr>
+          <p:spPr>
+            <a:xfrm>
+              <a:off x="370798" y="7797868"/>
+              <a:ext cx="7101778" cy="6300299"/>
+            </a:xfrm>
+            <a:prstGeom prst="rect">
+              <a:avLst/>
+            </a:prstGeom>
+          </p:spPr>
+          <p:txBody>
+            <a:bodyPr wrap="square">
+              <a:spAutoFit/>
+            </a:bodyPr>
+            <a:lstStyle/>
+            <a:p>
+              <a:pPr marL="571500" indent="-571500">
+                <a:buFont typeface="Arial" panose="020B0604020202020204" pitchFamily="34" charset="0"/>
+                <a:buChar char="•"/>
+              </a:pPr>
+              <a:r>
+                <a:rPr lang="en-US" sz="4400" dirty="0" smtClean="0">
+                  <a:solidFill>
+                    <a:schemeClr val="accent2">
+                      <a:lumMod val="20000"/>
+                      <a:lumOff val="80000"/>
+                    </a:schemeClr>
+                  </a:solidFill>
+                  <a:effectLst>
+                    <a:outerShdw blurRad="38100" dist="38100" dir="2700000" algn="tl">
+                      <a:srgbClr val="000000">
+                        <a:alpha val="43137"/>
+                      </a:srgbClr>
+                    </a:outerShdw>
+                  </a:effectLst>
+                  <a:latin typeface="Arial" panose="020B0604020202020204" pitchFamily="34" charset="0"/>
+                  <a:cs typeface="Arial" panose="020B0604020202020204" pitchFamily="34" charset="0"/>
+                </a:rPr>
+                <a:t>Generation of </a:t>
+              </a:r>
+              <a:r>
+                <a:rPr lang="en-US" sz="4400" b="1" dirty="0" smtClean="0">
+                  <a:solidFill>
+                    <a:schemeClr val="accent2">
+                      <a:lumMod val="20000"/>
+                      <a:lumOff val="80000"/>
+                    </a:schemeClr>
+                  </a:solidFill>
+                  <a:effectLst>
+                    <a:outerShdw blurRad="38100" dist="38100" dir="2700000" algn="tl">
+                      <a:srgbClr val="000000">
+                        <a:alpha val="43137"/>
+                      </a:srgbClr>
+                    </a:outerShdw>
+                  </a:effectLst>
+                  <a:latin typeface="Arial" panose="020B0604020202020204" pitchFamily="34" charset="0"/>
+                  <a:cs typeface="Arial" panose="020B0604020202020204" pitchFamily="34" charset="0"/>
+                </a:rPr>
+                <a:t>synthetic genomics</a:t>
+              </a:r>
+              <a:r>
+                <a:rPr lang="en-US" sz="4400" dirty="0" smtClean="0">
+                  <a:solidFill>
+                    <a:schemeClr val="accent2">
+                      <a:lumMod val="20000"/>
+                      <a:lumOff val="80000"/>
+                    </a:schemeClr>
+                  </a:solidFill>
+                  <a:effectLst>
+                    <a:outerShdw blurRad="38100" dist="38100" dir="2700000" algn="tl">
+                      <a:srgbClr val="000000">
+                        <a:alpha val="43137"/>
+                      </a:srgbClr>
+                    </a:outerShdw>
+                  </a:effectLst>
+                  <a:latin typeface="Arial" panose="020B0604020202020204" pitchFamily="34" charset="0"/>
+                  <a:cs typeface="Arial" panose="020B0604020202020204" pitchFamily="34" charset="0"/>
+                </a:rPr>
+                <a:t> data based on </a:t>
+              </a:r>
+              <a:r>
+                <a:rPr lang="en-US" sz="4400" i="1" dirty="0" smtClean="0">
+                  <a:solidFill>
+                    <a:schemeClr val="accent2">
+                      <a:lumMod val="20000"/>
+                      <a:lumOff val="80000"/>
+                    </a:schemeClr>
+                  </a:solidFill>
+                  <a:effectLst>
+                    <a:outerShdw blurRad="38100" dist="38100" dir="2700000" algn="tl">
+                      <a:srgbClr val="000000">
+                        <a:alpha val="43137"/>
+                      </a:srgbClr>
+                    </a:outerShdw>
+                  </a:effectLst>
+                  <a:latin typeface="Arial" panose="020B0604020202020204" pitchFamily="34" charset="0"/>
+                  <a:cs typeface="Arial" panose="020B0604020202020204" pitchFamily="34" charset="0"/>
+                </a:rPr>
+                <a:t>TP53</a:t>
+              </a:r>
+              <a:r>
+                <a:rPr lang="en-US" sz="4400" dirty="0" smtClean="0">
+                  <a:solidFill>
+                    <a:schemeClr val="accent2">
+                      <a:lumMod val="20000"/>
+                      <a:lumOff val="80000"/>
+                    </a:schemeClr>
+                  </a:solidFill>
+                  <a:effectLst>
+                    <a:outerShdw blurRad="38100" dist="38100" dir="2700000" algn="tl">
+                      <a:srgbClr val="000000">
+                        <a:alpha val="43137"/>
+                      </a:srgbClr>
+                    </a:outerShdw>
+                  </a:effectLst>
+                  <a:latin typeface="Arial" panose="020B0604020202020204" pitchFamily="34" charset="0"/>
+                  <a:cs typeface="Arial" panose="020B0604020202020204" pitchFamily="34" charset="0"/>
+                </a:rPr>
+                <a:t> gene</a:t>
+              </a:r>
+            </a:p>
+            <a:p>
+              <a:pPr marL="571500" indent="-571500">
+                <a:buFont typeface="Arial" panose="020B0604020202020204" pitchFamily="34" charset="0"/>
+                <a:buChar char="•"/>
+              </a:pPr>
+              <a:endParaRPr lang="en-US" sz="4400" dirty="0">
+                <a:solidFill>
+                  <a:schemeClr val="accent2">
+                    <a:lumMod val="20000"/>
+                    <a:lumOff val="80000"/>
+                  </a:schemeClr>
+                </a:solidFill>
+                <a:effectLst>
+                  <a:outerShdw blurRad="38100" dist="38100" dir="2700000" algn="tl">
+                    <a:srgbClr val="000000">
+                      <a:alpha val="43137"/>
+                    </a:srgbClr>
+                  </a:outerShdw>
+                </a:effectLst>
+                <a:latin typeface="Arial" panose="020B0604020202020204" pitchFamily="34" charset="0"/>
+                <a:cs typeface="Arial" panose="020B0604020202020204" pitchFamily="34" charset="0"/>
+              </a:endParaRPr>
+            </a:p>
+            <a:p>
+              <a:pPr marL="571500" indent="-571500">
+                <a:buFont typeface="Arial" panose="020B0604020202020204" pitchFamily="34" charset="0"/>
+                <a:buChar char="•"/>
+              </a:pPr>
+              <a:r>
+                <a:rPr lang="en-US" sz="4400" dirty="0" smtClean="0">
+                  <a:solidFill>
+                    <a:schemeClr val="accent2">
+                      <a:lumMod val="20000"/>
+                      <a:lumOff val="80000"/>
+                    </a:schemeClr>
+                  </a:solidFill>
+                  <a:effectLst>
+                    <a:outerShdw blurRad="38100" dist="38100" dir="2700000" algn="tl">
+                      <a:srgbClr val="000000">
+                        <a:alpha val="43137"/>
+                      </a:srgbClr>
+                    </a:outerShdw>
+                  </a:effectLst>
+                  <a:latin typeface="Arial" panose="020B0604020202020204" pitchFamily="34" charset="0"/>
+                  <a:cs typeface="Arial" panose="020B0604020202020204" pitchFamily="34" charset="0"/>
+                </a:rPr>
+                <a:t>Define </a:t>
+              </a:r>
+              <a:r>
+                <a:rPr lang="en-US" sz="4400" b="1" dirty="0" smtClean="0">
+                  <a:solidFill>
+                    <a:schemeClr val="accent2">
+                      <a:lumMod val="20000"/>
+                      <a:lumOff val="80000"/>
+                    </a:schemeClr>
+                  </a:solidFill>
+                  <a:effectLst>
+                    <a:outerShdw blurRad="38100" dist="38100" dir="2700000" algn="tl">
+                      <a:srgbClr val="000000">
+                        <a:alpha val="43137"/>
+                      </a:srgbClr>
+                    </a:outerShdw>
+                  </a:effectLst>
+                  <a:latin typeface="Arial" panose="020B0604020202020204" pitchFamily="34" charset="0"/>
+                  <a:cs typeface="Arial" panose="020B0604020202020204" pitchFamily="34" charset="0"/>
+                </a:rPr>
+                <a:t>«Ground Truth» </a:t>
+              </a:r>
+              <a:r>
+                <a:rPr lang="en-US" sz="4400" dirty="0" smtClean="0">
+                  <a:solidFill>
+                    <a:schemeClr val="accent2">
+                      <a:lumMod val="20000"/>
+                      <a:lumOff val="80000"/>
+                    </a:schemeClr>
+                  </a:solidFill>
+                  <a:effectLst>
+                    <a:outerShdw blurRad="38100" dist="38100" dir="2700000" algn="tl">
+                      <a:srgbClr val="000000">
+                        <a:alpha val="43137"/>
+                      </a:srgbClr>
+                    </a:outerShdw>
+                  </a:effectLst>
+                  <a:latin typeface="Arial" panose="020B0604020202020204" pitchFamily="34" charset="0"/>
+                  <a:cs typeface="Arial" panose="020B0604020202020204" pitchFamily="34" charset="0"/>
+                </a:rPr>
+                <a:t>SNIPs and INDELs </a:t>
+              </a:r>
+              <a:r>
+                <a:rPr lang="en-US" sz="4400" dirty="0" smtClean="0">
+                  <a:solidFill>
+                    <a:schemeClr val="accent2">
+                      <a:lumMod val="20000"/>
+                      <a:lumOff val="80000"/>
+                    </a:schemeClr>
+                  </a:solidFill>
+                  <a:effectLst>
+                    <a:outerShdw blurRad="38100" dist="38100" dir="2700000" algn="tl">
+                      <a:srgbClr val="000000">
+                        <a:alpha val="43137"/>
+                      </a:srgbClr>
+                    </a:outerShdw>
+                  </a:effectLst>
+                  <a:latin typeface="Arial" panose="020B0604020202020204" pitchFamily="34" charset="0"/>
+                  <a:cs typeface="Arial" panose="020B0604020202020204" pitchFamily="34" charset="0"/>
+                </a:rPr>
+                <a:t>in order to </a:t>
+              </a:r>
+              <a:r>
+                <a:rPr lang="en-US" sz="4400" b="1" dirty="0" smtClean="0">
+                  <a:solidFill>
+                    <a:schemeClr val="accent2">
+                      <a:lumMod val="20000"/>
+                      <a:lumOff val="80000"/>
+                    </a:schemeClr>
+                  </a:solidFill>
+                  <a:effectLst>
+                    <a:outerShdw blurRad="38100" dist="38100" dir="2700000" algn="tl">
+                      <a:srgbClr val="000000">
+                        <a:alpha val="43137"/>
+                      </a:srgbClr>
+                    </a:outerShdw>
+                  </a:effectLst>
+                  <a:latin typeface="Arial" panose="020B0604020202020204" pitchFamily="34" charset="0"/>
+                  <a:cs typeface="Arial" panose="020B0604020202020204" pitchFamily="34" charset="0"/>
+                </a:rPr>
+                <a:t>benchmark</a:t>
+              </a:r>
+              <a:r>
+                <a:rPr lang="en-US" sz="4400" dirty="0" smtClean="0">
+                  <a:solidFill>
+                    <a:schemeClr val="accent2">
+                      <a:lumMod val="20000"/>
+                      <a:lumOff val="80000"/>
+                    </a:schemeClr>
+                  </a:solidFill>
+                  <a:effectLst>
+                    <a:outerShdw blurRad="38100" dist="38100" dir="2700000" algn="tl">
+                      <a:srgbClr val="000000">
+                        <a:alpha val="43137"/>
+                      </a:srgbClr>
+                    </a:outerShdw>
+                  </a:effectLst>
+                  <a:latin typeface="Arial" panose="020B0604020202020204" pitchFamily="34" charset="0"/>
+                  <a:cs typeface="Arial" panose="020B0604020202020204" pitchFamily="34" charset="0"/>
+                </a:rPr>
+                <a:t> somatic variant callers</a:t>
+              </a:r>
+            </a:p>
+            <a:p>
+              <a:pPr marL="571500" indent="-571500">
+                <a:buFont typeface="Arial" panose="020B0604020202020204" pitchFamily="34" charset="0"/>
+                <a:buChar char="•"/>
+              </a:pPr>
+              <a:endParaRPr lang="en-US" sz="4400" dirty="0">
+                <a:solidFill>
+                  <a:schemeClr val="accent2">
+                    <a:lumMod val="20000"/>
+                    <a:lumOff val="80000"/>
+                  </a:schemeClr>
+                </a:solidFill>
+                <a:effectLst>
+                  <a:outerShdw blurRad="38100" dist="38100" dir="2700000" algn="tl">
+                    <a:srgbClr val="000000">
+                      <a:alpha val="43137"/>
+                    </a:srgbClr>
+                  </a:outerShdw>
+                </a:effectLst>
+                <a:latin typeface="Arial" panose="020B0604020202020204" pitchFamily="34" charset="0"/>
+                <a:cs typeface="Arial" panose="020B0604020202020204" pitchFamily="34" charset="0"/>
+              </a:endParaRPr>
+            </a:p>
+            <a:p>
+              <a:pPr marL="571500" indent="-571500">
+                <a:buFont typeface="Arial" panose="020B0604020202020204" pitchFamily="34" charset="0"/>
+                <a:buChar char="•"/>
+              </a:pPr>
+              <a:r>
+                <a:rPr lang="en-US" sz="4400" dirty="0" smtClean="0">
+                  <a:solidFill>
+                    <a:schemeClr val="accent2">
+                      <a:lumMod val="20000"/>
+                      <a:lumOff val="80000"/>
+                    </a:schemeClr>
+                  </a:solidFill>
+                  <a:effectLst>
+                    <a:outerShdw blurRad="38100" dist="38100" dir="2700000" algn="tl">
+                      <a:srgbClr val="000000">
+                        <a:alpha val="43137"/>
+                      </a:srgbClr>
+                    </a:outerShdw>
+                  </a:effectLst>
+                  <a:latin typeface="Arial" panose="020B0604020202020204" pitchFamily="34" charset="0"/>
+                  <a:cs typeface="Arial" panose="020B0604020202020204" pitchFamily="34" charset="0"/>
+                </a:rPr>
+                <a:t>Investigate the impact of variant callers in </a:t>
+              </a:r>
+              <a:r>
+                <a:rPr lang="en-US" sz="4400" dirty="0" smtClean="0">
+                  <a:solidFill>
+                    <a:schemeClr val="accent2">
+                      <a:lumMod val="20000"/>
+                      <a:lumOff val="80000"/>
+                    </a:schemeClr>
+                  </a:solidFill>
+                  <a:effectLst>
+                    <a:outerShdw blurRad="38100" dist="38100" dir="2700000" algn="tl">
+                      <a:srgbClr val="000000">
+                        <a:alpha val="43137"/>
+                      </a:srgbClr>
+                    </a:outerShdw>
+                  </a:effectLst>
+                  <a:latin typeface="Arial" panose="020B0604020202020204" pitchFamily="34" charset="0"/>
+                  <a:cs typeface="Arial" panose="020B0604020202020204" pitchFamily="34" charset="0"/>
+                </a:rPr>
+                <a:t>variants </a:t>
+              </a:r>
+              <a:r>
+                <a:rPr lang="en-US" sz="4400" dirty="0" smtClean="0">
+                  <a:solidFill>
+                    <a:schemeClr val="accent2">
+                      <a:lumMod val="20000"/>
+                      <a:lumOff val="80000"/>
+                    </a:schemeClr>
+                  </a:solidFill>
+                  <a:effectLst>
+                    <a:outerShdw blurRad="38100" dist="38100" dir="2700000" algn="tl">
+                      <a:srgbClr val="000000">
+                        <a:alpha val="43137"/>
+                      </a:srgbClr>
+                    </a:outerShdw>
+                  </a:effectLst>
+                  <a:latin typeface="Arial" panose="020B0604020202020204" pitchFamily="34" charset="0"/>
+                  <a:cs typeface="Arial" panose="020B0604020202020204" pitchFamily="34" charset="0"/>
+                </a:rPr>
+                <a:t>at </a:t>
+              </a:r>
+              <a:r>
+                <a:rPr lang="en-US" sz="4400" b="1" dirty="0" smtClean="0">
+                  <a:solidFill>
+                    <a:schemeClr val="accent2">
+                      <a:lumMod val="20000"/>
+                      <a:lumOff val="80000"/>
+                    </a:schemeClr>
+                  </a:solidFill>
+                  <a:effectLst>
+                    <a:outerShdw blurRad="38100" dist="38100" dir="2700000" algn="tl">
+                      <a:srgbClr val="000000">
+                        <a:alpha val="43137"/>
+                      </a:srgbClr>
+                    </a:outerShdw>
+                  </a:effectLst>
+                  <a:latin typeface="Arial" panose="020B0604020202020204" pitchFamily="34" charset="0"/>
+                  <a:cs typeface="Arial" panose="020B0604020202020204" pitchFamily="34" charset="0"/>
+                </a:rPr>
+                <a:t>low frequencies</a:t>
+              </a:r>
+              <a:endParaRPr lang="en-US" sz="4400" b="1" dirty="0">
+                <a:solidFill>
+                  <a:schemeClr val="accent2">
+                    <a:lumMod val="20000"/>
+                    <a:lumOff val="80000"/>
+                  </a:schemeClr>
+                </a:solidFill>
+                <a:effectLst>
+                  <a:outerShdw blurRad="38100" dist="38100" dir="2700000" algn="tl">
+                    <a:srgbClr val="000000">
+                      <a:alpha val="43137"/>
+                    </a:srgbClr>
+                  </a:outerShdw>
+                </a:effectLst>
+                <a:latin typeface="Arial" panose="020B0604020202020204" pitchFamily="34" charset="0"/>
+                <a:cs typeface="Arial" panose="020B0604020202020204" pitchFamily="34" charset="0"/>
+              </a:endParaRPr>
+            </a:p>
+          </p:txBody>
+        </p:sp>
+      </p:grpSp>
       <p:pic>
         <p:nvPicPr>
-          <p:cNvPr id="8" name="Picture 7"/>
+          <p:cNvPr id="6" name="Picture 5"/>
           <p:cNvPicPr>
             <a:picLocks noChangeAspect="1"/>
           </p:cNvPicPr>
@@ -5812,8 +6390,8 @@
         </p:blipFill>
         <p:spPr>
           <a:xfrm>
-            <a:off x="1111433" y="19184726"/>
-            <a:ext cx="28606565" cy="21454924"/>
+            <a:off x="169924" y="19119186"/>
+            <a:ext cx="29840383" cy="21506239"/>
           </a:xfrm>
           <a:prstGeom prst="rect">
             <a:avLst/>
@@ -5834,7 +6412,7 @@
         </p:nvSpPr>
         <p:spPr>
           <a:xfrm>
-            <a:off x="718392" y="19099196"/>
+            <a:off x="457136" y="19033882"/>
             <a:ext cx="7553176" cy="1077218"/>
           </a:xfrm>
           <a:prstGeom prst="rect">
@@ -5852,7 +6430,7 @@
           <a:p>
             <a:pPr algn="ctr"/>
             <a:r>
-              <a:rPr lang="en-US" sz="3200" b="1" u="sng" dirty="0" smtClean="0">
+              <a:rPr lang="en-US" sz="3200" b="1" dirty="0" smtClean="0">
                 <a:solidFill>
                   <a:srgbClr val="224E59"/>
                 </a:solidFill>
@@ -5862,7 +6440,7 @@
               <a:t>Down-sampling of coverag</a:t>
             </a:r>
             <a:r>
-              <a:rPr lang="en-US" sz="3200" b="1" u="sng" dirty="0">
+              <a:rPr lang="en-US" sz="3200" b="1" dirty="0">
                 <a:solidFill>
                   <a:srgbClr val="224E59"/>
                 </a:solidFill>
@@ -5872,7 +6450,7 @@
               <a:t>e</a:t>
             </a:r>
             <a:r>
-              <a:rPr lang="en-US" sz="3200" b="1" u="sng" dirty="0" smtClean="0">
+              <a:rPr lang="en-US" sz="3200" b="1" dirty="0" smtClean="0">
                 <a:solidFill>
                   <a:srgbClr val="224E59"/>
                 </a:solidFill>
@@ -5882,7 +6460,7 @@
               <a:t> </a:t>
             </a:r>
             <a:r>
-              <a:rPr lang="en-US" sz="3200" b="1" u="sng" dirty="0">
+              <a:rPr lang="en-US" sz="3200" b="1" dirty="0">
                 <a:solidFill>
                   <a:srgbClr val="224E59"/>
                 </a:solidFill>
@@ -5892,7 +6470,7 @@
               <a:t>of </a:t>
             </a:r>
             <a:r>
-              <a:rPr lang="el-GR" sz="3200" b="1" u="sng" dirty="0" smtClean="0">
+              <a:rPr lang="el-GR" sz="3200" b="1" dirty="0" smtClean="0">
                 <a:solidFill>
                   <a:srgbClr val="224E59"/>
                 </a:solidFill>
@@ -5902,7 +6480,7 @@
               <a:t>«</a:t>
             </a:r>
             <a:r>
-              <a:rPr lang="en-US" sz="3200" b="1" u="sng" dirty="0">
+              <a:rPr lang="en-US" sz="3200" b="1" dirty="0">
                 <a:solidFill>
                   <a:srgbClr val="224E59"/>
                 </a:solidFill>
@@ -5912,7 +6490,7 @@
               <a:t>Ground Truth</a:t>
             </a:r>
             <a:r>
-              <a:rPr lang="el-GR" sz="3200" b="1" u="sng" dirty="0" smtClean="0">
+              <a:rPr lang="el-GR" sz="3200" b="1" dirty="0" smtClean="0">
                 <a:solidFill>
                   <a:srgbClr val="224E59"/>
                 </a:solidFill>
@@ -5922,7 +6500,7 @@
               <a:t>»</a:t>
             </a:r>
             <a:r>
-              <a:rPr lang="en-US" sz="3200" b="1" u="sng" dirty="0" smtClean="0">
+              <a:rPr lang="en-US" sz="3200" b="1" dirty="0" smtClean="0">
                 <a:solidFill>
                   <a:srgbClr val="224E59"/>
                 </a:solidFill>
@@ -5932,16 +6510,16 @@
               <a:t> </a:t>
             </a:r>
             <a:r>
-              <a:rPr lang="en-US" sz="3200" b="1" u="sng" dirty="0">
+              <a:rPr lang="en-US" sz="3200" b="1" dirty="0" smtClean="0">
                 <a:solidFill>
                   <a:srgbClr val="224E59"/>
                 </a:solidFill>
                 <a:latin typeface="Arial" panose="020B0604020202020204" pitchFamily="34" charset="0"/>
                 <a:cs typeface="Arial" panose="020B0604020202020204" pitchFamily="34" charset="0"/>
               </a:rPr>
-              <a:t>Mutations</a:t>
-            </a:r>
-            <a:endParaRPr lang="en-US" sz="3200" b="1" u="sng" dirty="0" smtClean="0">
+              <a:t>Variants</a:t>
+            </a:r>
+            <a:endParaRPr lang="en-US" sz="3200" b="1" dirty="0" smtClean="0">
               <a:solidFill>
                 <a:srgbClr val="224E59"/>
               </a:solidFill>
@@ -5953,14 +6531,276 @@
       </p:sp>
       <p:sp>
         <p:nvSpPr>
+          <p:cNvPr id="61" name="Rectangle 60">
+            <a:extLst>
+              <a:ext uri="{FF2B5EF4-FFF2-40B4-BE49-F238E27FC236}">
+                <a16:creationId xmlns:a16="http://schemas.microsoft.com/office/drawing/2014/main" id="{18C20CFF-4BD1-40F4-BFBD-6135A421D18B}"/>
+              </a:ext>
+            </a:extLst>
+          </p:cNvPr>
+          <p:cNvSpPr/>
+          <p:nvPr/>
+        </p:nvSpPr>
+        <p:spPr>
+          <a:xfrm>
+            <a:off x="9117621" y="19033882"/>
+            <a:ext cx="5681507" cy="1077218"/>
+          </a:xfrm>
+          <a:prstGeom prst="rect">
+            <a:avLst/>
+          </a:prstGeom>
+          <a:solidFill>
+            <a:schemeClr val="bg1"/>
+          </a:solidFill>
+        </p:spPr>
+        <p:txBody>
+          <a:bodyPr wrap="square">
+            <a:spAutoFit/>
+          </a:bodyPr>
+          <a:lstStyle/>
+          <a:p>
+            <a:pPr algn="ctr"/>
+            <a:r>
+              <a:rPr lang="en-US" sz="3200" b="1" dirty="0" smtClean="0">
+                <a:solidFill>
+                  <a:srgbClr val="224E59"/>
+                </a:solidFill>
+                <a:latin typeface="Arial" panose="020B0604020202020204" pitchFamily="34" charset="0"/>
+                <a:cs typeface="Arial" panose="020B0604020202020204" pitchFamily="34" charset="0"/>
+              </a:rPr>
+              <a:t>Differences in AF of </a:t>
+            </a:r>
+            <a:r>
+              <a:rPr lang="el-GR" sz="3200" b="1" dirty="0" smtClean="0">
+                <a:solidFill>
+                  <a:srgbClr val="224E59"/>
+                </a:solidFill>
+                <a:latin typeface="Arial" panose="020B0604020202020204" pitchFamily="34" charset="0"/>
+                <a:cs typeface="Arial" panose="020B0604020202020204" pitchFamily="34" charset="0"/>
+              </a:rPr>
+              <a:t>«</a:t>
+            </a:r>
+            <a:r>
+              <a:rPr lang="en-US" sz="3200" b="1" dirty="0">
+                <a:solidFill>
+                  <a:srgbClr val="224E59"/>
+                </a:solidFill>
+                <a:latin typeface="Arial" panose="020B0604020202020204" pitchFamily="34" charset="0"/>
+                <a:cs typeface="Arial" panose="020B0604020202020204" pitchFamily="34" charset="0"/>
+              </a:rPr>
+              <a:t>Ground Truth</a:t>
+            </a:r>
+            <a:r>
+              <a:rPr lang="el-GR" sz="3200" b="1" dirty="0" smtClean="0">
+                <a:solidFill>
+                  <a:srgbClr val="224E59"/>
+                </a:solidFill>
+                <a:latin typeface="Arial" panose="020B0604020202020204" pitchFamily="34" charset="0"/>
+                <a:cs typeface="Arial" panose="020B0604020202020204" pitchFamily="34" charset="0"/>
+              </a:rPr>
+              <a:t>»</a:t>
+            </a:r>
+            <a:r>
+              <a:rPr lang="en-US" sz="3200" b="1" dirty="0" smtClean="0">
+                <a:solidFill>
+                  <a:srgbClr val="224E59"/>
+                </a:solidFill>
+                <a:latin typeface="Arial" panose="020B0604020202020204" pitchFamily="34" charset="0"/>
+                <a:cs typeface="Arial" panose="020B0604020202020204" pitchFamily="34" charset="0"/>
+              </a:rPr>
+              <a:t> </a:t>
+            </a:r>
+            <a:r>
+              <a:rPr lang="en-US" sz="3200" b="1" dirty="0">
+                <a:solidFill>
+                  <a:srgbClr val="224E59"/>
+                </a:solidFill>
+                <a:latin typeface="Arial" panose="020B0604020202020204" pitchFamily="34" charset="0"/>
+                <a:cs typeface="Arial" panose="020B0604020202020204" pitchFamily="34" charset="0"/>
+              </a:rPr>
+              <a:t>Variants</a:t>
+            </a:r>
+            <a:endParaRPr lang="en-US" sz="3200" b="1" dirty="0" smtClean="0">
+              <a:solidFill>
+                <a:srgbClr val="224E59"/>
+              </a:solidFill>
+              <a:latin typeface="Arial" panose="020B0604020202020204" pitchFamily="34" charset="0"/>
+              <a:cs typeface="Arial" panose="020B0604020202020204" pitchFamily="34" charset="0"/>
+            </a:endParaRPr>
+          </a:p>
+        </p:txBody>
+      </p:sp>
+      <p:sp>
+        <p:nvSpPr>
+          <p:cNvPr id="65" name="Rectangle 64">
+            <a:extLst>
+              <a:ext uri="{FF2B5EF4-FFF2-40B4-BE49-F238E27FC236}">
+                <a16:creationId xmlns:a16="http://schemas.microsoft.com/office/drawing/2014/main" id="{18C20CFF-4BD1-40F4-BFBD-6135A421D18B}"/>
+              </a:ext>
+            </a:extLst>
+          </p:cNvPr>
+          <p:cNvSpPr/>
+          <p:nvPr/>
+        </p:nvSpPr>
+        <p:spPr>
+          <a:xfrm>
+            <a:off x="15224405" y="19033882"/>
+            <a:ext cx="14918134" cy="584775"/>
+          </a:xfrm>
+          <a:prstGeom prst="rect">
+            <a:avLst/>
+          </a:prstGeom>
+          <a:solidFill>
+            <a:schemeClr val="bg1"/>
+          </a:solidFill>
+        </p:spPr>
+        <p:txBody>
+          <a:bodyPr wrap="square">
+            <a:spAutoFit/>
+          </a:bodyPr>
+          <a:lstStyle/>
+          <a:p>
+            <a:pPr algn="ctr"/>
+            <a:r>
+              <a:rPr lang="en-US" sz="3200" b="1" dirty="0">
+                <a:solidFill>
+                  <a:srgbClr val="224E59"/>
+                </a:solidFill>
+                <a:latin typeface="Arial" panose="020B0604020202020204" pitchFamily="34" charset="0"/>
+                <a:cs typeface="Arial" panose="020B0604020202020204" pitchFamily="34" charset="0"/>
+              </a:rPr>
+              <a:t> </a:t>
+            </a:r>
+            <a:r>
+              <a:rPr lang="en-US" sz="3200" b="1" dirty="0" smtClean="0">
+                <a:solidFill>
+                  <a:srgbClr val="224E59"/>
+                </a:solidFill>
+                <a:latin typeface="Arial" panose="020B0604020202020204" pitchFamily="34" charset="0"/>
+                <a:cs typeface="Arial" panose="020B0604020202020204" pitchFamily="34" charset="0"/>
+              </a:rPr>
+              <a:t>Variance in </a:t>
+            </a:r>
+            <a:r>
+              <a:rPr lang="en-US" sz="3200" b="1" dirty="0">
+                <a:solidFill>
+                  <a:srgbClr val="224E59"/>
+                </a:solidFill>
+                <a:latin typeface="Arial" panose="020B0604020202020204" pitchFamily="34" charset="0"/>
+                <a:cs typeface="Arial" panose="020B0604020202020204" pitchFamily="34" charset="0"/>
+              </a:rPr>
+              <a:t>AF </a:t>
+            </a:r>
+            <a:r>
+              <a:rPr lang="en-US" sz="3200" b="1" dirty="0" smtClean="0">
+                <a:solidFill>
+                  <a:srgbClr val="224E59"/>
+                </a:solidFill>
+                <a:latin typeface="Arial" panose="020B0604020202020204" pitchFamily="34" charset="0"/>
+                <a:cs typeface="Arial" panose="020B0604020202020204" pitchFamily="34" charset="0"/>
+              </a:rPr>
+              <a:t>Density </a:t>
+            </a:r>
+            <a:r>
+              <a:rPr lang="en-US" sz="3200" b="1" dirty="0">
+                <a:solidFill>
+                  <a:srgbClr val="224E59"/>
+                </a:solidFill>
+                <a:latin typeface="Arial" panose="020B0604020202020204" pitchFamily="34" charset="0"/>
+                <a:cs typeface="Arial" panose="020B0604020202020204" pitchFamily="34" charset="0"/>
+              </a:rPr>
+              <a:t>plots </a:t>
+            </a:r>
+            <a:r>
+              <a:rPr lang="en-US" sz="3200" b="1" dirty="0" smtClean="0">
+                <a:solidFill>
+                  <a:srgbClr val="224E59"/>
+                </a:solidFill>
+                <a:latin typeface="Arial" panose="020B0604020202020204" pitchFamily="34" charset="0"/>
+                <a:cs typeface="Arial" panose="020B0604020202020204" pitchFamily="34" charset="0"/>
+              </a:rPr>
+              <a:t>of </a:t>
+            </a:r>
+            <a:r>
+              <a:rPr lang="el-GR" sz="3200" b="1" dirty="0" smtClean="0">
+                <a:solidFill>
+                  <a:srgbClr val="224E59"/>
+                </a:solidFill>
+                <a:latin typeface="Arial" panose="020B0604020202020204" pitchFamily="34" charset="0"/>
+                <a:cs typeface="Arial" panose="020B0604020202020204" pitchFamily="34" charset="0"/>
+              </a:rPr>
+              <a:t>«</a:t>
+            </a:r>
+            <a:r>
+              <a:rPr lang="en-US" sz="3200" b="1" dirty="0">
+                <a:solidFill>
+                  <a:srgbClr val="224E59"/>
+                </a:solidFill>
+                <a:latin typeface="Arial" panose="020B0604020202020204" pitchFamily="34" charset="0"/>
+                <a:cs typeface="Arial" panose="020B0604020202020204" pitchFamily="34" charset="0"/>
+              </a:rPr>
+              <a:t>Ground Truth</a:t>
+            </a:r>
+            <a:r>
+              <a:rPr lang="el-GR" sz="3200" b="1" dirty="0" smtClean="0">
+                <a:solidFill>
+                  <a:srgbClr val="224E59"/>
+                </a:solidFill>
+                <a:latin typeface="Arial" panose="020B0604020202020204" pitchFamily="34" charset="0"/>
+                <a:cs typeface="Arial" panose="020B0604020202020204" pitchFamily="34" charset="0"/>
+              </a:rPr>
+              <a:t>»</a:t>
+            </a:r>
+            <a:r>
+              <a:rPr lang="en-US" sz="3200" b="1" dirty="0" smtClean="0">
+                <a:solidFill>
+                  <a:srgbClr val="224E59"/>
+                </a:solidFill>
+                <a:latin typeface="Arial" panose="020B0604020202020204" pitchFamily="34" charset="0"/>
+                <a:cs typeface="Arial" panose="020B0604020202020204" pitchFamily="34" charset="0"/>
+              </a:rPr>
+              <a:t> </a:t>
+            </a:r>
+            <a:r>
+              <a:rPr lang="en-US" sz="3200" b="1" dirty="0">
+                <a:solidFill>
+                  <a:srgbClr val="224E59"/>
+                </a:solidFill>
+                <a:latin typeface="Arial" panose="020B0604020202020204" pitchFamily="34" charset="0"/>
+                <a:cs typeface="Arial" panose="020B0604020202020204" pitchFamily="34" charset="0"/>
+              </a:rPr>
+              <a:t>Variants </a:t>
+            </a:r>
+            <a:r>
+              <a:rPr lang="en-US" sz="3200" b="1" dirty="0" smtClean="0">
+                <a:solidFill>
+                  <a:srgbClr val="224E59"/>
+                </a:solidFill>
+                <a:latin typeface="Arial" panose="020B0604020202020204" pitchFamily="34" charset="0"/>
+                <a:cs typeface="Arial" panose="020B0604020202020204" pitchFamily="34" charset="0"/>
+              </a:rPr>
+              <a:t>per DNA Base</a:t>
+            </a:r>
+            <a:endParaRPr lang="en-US" sz="3200" b="1" dirty="0">
+              <a:solidFill>
+                <a:srgbClr val="224E59"/>
+              </a:solidFill>
+              <a:latin typeface="Arial" panose="020B0604020202020204" pitchFamily="34" charset="0"/>
+              <a:cs typeface="Arial" panose="020B0604020202020204" pitchFamily="34" charset="0"/>
+            </a:endParaRPr>
+          </a:p>
+        </p:txBody>
+      </p:sp>
+      <p:sp>
+        <p:nvSpPr>
           <p:cNvPr id="74" name="Rounded Rectangular Callout 73"/>
           <p:cNvSpPr/>
           <p:nvPr/>
         </p:nvSpPr>
         <p:spPr>
           <a:xfrm rot="1019409">
-            <a:off x="4449269" y="20819536"/>
-            <a:ext cx="4589338" cy="1356658"/>
+            <a:off x="4075262" y="20804907"/>
+            <a:ext cx="4473513" cy="1251594"/>
           </a:xfrm>
           <a:prstGeom prst="wedgeRoundRectCallout">
             <a:avLst/>
@@ -6020,248 +6860,6 @@
           </a:p>
         </p:txBody>
       </p:sp>
-      <p:sp>
-        <p:nvSpPr>
-          <p:cNvPr id="61" name="Rectangle 60">
-            <a:extLst>
-              <a:ext uri="{FF2B5EF4-FFF2-40B4-BE49-F238E27FC236}">
-                <a16:creationId xmlns:a16="http://schemas.microsoft.com/office/drawing/2014/main" id="{18C20CFF-4BD1-40F4-BFBD-6135A421D18B}"/>
-              </a:ext>
-            </a:extLst>
-          </p:cNvPr>
-          <p:cNvSpPr/>
-          <p:nvPr/>
-        </p:nvSpPr>
-        <p:spPr>
-          <a:xfrm>
-            <a:off x="8072593" y="19099196"/>
-            <a:ext cx="5681507" cy="1077218"/>
-          </a:xfrm>
-          <a:prstGeom prst="rect">
-            <a:avLst/>
-          </a:prstGeom>
-          <a:solidFill>
-            <a:schemeClr val="bg1"/>
-          </a:solidFill>
-        </p:spPr>
-        <p:txBody>
-          <a:bodyPr wrap="square">
-            <a:spAutoFit/>
-          </a:bodyPr>
-          <a:lstStyle/>
-          <a:p>
-            <a:pPr algn="ctr"/>
-            <a:r>
-              <a:rPr lang="en-US" sz="3200" b="1" u="sng" dirty="0" smtClean="0">
-                <a:solidFill>
-                  <a:srgbClr val="224E59"/>
-                </a:solidFill>
-                <a:latin typeface="Arial" panose="020B0604020202020204" pitchFamily="34" charset="0"/>
-                <a:cs typeface="Arial" panose="020B0604020202020204" pitchFamily="34" charset="0"/>
-              </a:rPr>
-              <a:t>Differences in AF of </a:t>
-            </a:r>
-            <a:r>
-              <a:rPr lang="el-GR" sz="3200" b="1" u="sng" dirty="0" smtClean="0">
-                <a:solidFill>
-                  <a:srgbClr val="224E59"/>
-                </a:solidFill>
-                <a:latin typeface="Arial" panose="020B0604020202020204" pitchFamily="34" charset="0"/>
-                <a:cs typeface="Arial" panose="020B0604020202020204" pitchFamily="34" charset="0"/>
-              </a:rPr>
-              <a:t>«</a:t>
-            </a:r>
-            <a:r>
-              <a:rPr lang="en-US" sz="3200" b="1" u="sng" dirty="0">
-                <a:solidFill>
-                  <a:srgbClr val="224E59"/>
-                </a:solidFill>
-                <a:latin typeface="Arial" panose="020B0604020202020204" pitchFamily="34" charset="0"/>
-                <a:cs typeface="Arial" panose="020B0604020202020204" pitchFamily="34" charset="0"/>
-              </a:rPr>
-              <a:t>Ground Truth</a:t>
-            </a:r>
-            <a:r>
-              <a:rPr lang="el-GR" sz="3200" b="1" u="sng" dirty="0" smtClean="0">
-                <a:solidFill>
-                  <a:srgbClr val="224E59"/>
-                </a:solidFill>
-                <a:latin typeface="Arial" panose="020B0604020202020204" pitchFamily="34" charset="0"/>
-                <a:cs typeface="Arial" panose="020B0604020202020204" pitchFamily="34" charset="0"/>
-              </a:rPr>
-              <a:t>»</a:t>
-            </a:r>
-            <a:r>
-              <a:rPr lang="en-US" sz="3200" b="1" u="sng" dirty="0" smtClean="0">
-                <a:solidFill>
-                  <a:srgbClr val="224E59"/>
-                </a:solidFill>
-                <a:latin typeface="Arial" panose="020B0604020202020204" pitchFamily="34" charset="0"/>
-                <a:cs typeface="Arial" panose="020B0604020202020204" pitchFamily="34" charset="0"/>
-              </a:rPr>
-              <a:t> </a:t>
-            </a:r>
-            <a:r>
-              <a:rPr lang="en-US" sz="3200" b="1" u="sng" dirty="0">
-                <a:solidFill>
-                  <a:srgbClr val="224E59"/>
-                </a:solidFill>
-                <a:latin typeface="Arial" panose="020B0604020202020204" pitchFamily="34" charset="0"/>
-                <a:cs typeface="Arial" panose="020B0604020202020204" pitchFamily="34" charset="0"/>
-              </a:rPr>
-              <a:t>Mutations</a:t>
-            </a:r>
-            <a:endParaRPr lang="en-US" sz="3200" b="1" u="sng" dirty="0" smtClean="0">
-              <a:solidFill>
-                <a:srgbClr val="224E59"/>
-              </a:solidFill>
-              <a:latin typeface="Arial" panose="020B0604020202020204" pitchFamily="34" charset="0"/>
-              <a:cs typeface="Arial" panose="020B0604020202020204" pitchFamily="34" charset="0"/>
-            </a:endParaRPr>
-          </a:p>
-        </p:txBody>
-      </p:sp>
-      <p:sp>
-        <p:nvSpPr>
-          <p:cNvPr id="65" name="Rectangle 64">
-            <a:extLst>
-              <a:ext uri="{FF2B5EF4-FFF2-40B4-BE49-F238E27FC236}">
-                <a16:creationId xmlns:a16="http://schemas.microsoft.com/office/drawing/2014/main" id="{18C20CFF-4BD1-40F4-BFBD-6135A421D18B}"/>
-              </a:ext>
-            </a:extLst>
-          </p:cNvPr>
-          <p:cNvSpPr/>
-          <p:nvPr/>
-        </p:nvSpPr>
-        <p:spPr>
-          <a:xfrm>
-            <a:off x="14669236" y="19099196"/>
-            <a:ext cx="14918134" cy="584775"/>
-          </a:xfrm>
-          <a:prstGeom prst="rect">
-            <a:avLst/>
-          </a:prstGeom>
-          <a:solidFill>
-            <a:schemeClr val="bg1"/>
-          </a:solidFill>
-        </p:spPr>
-        <p:txBody>
-          <a:bodyPr wrap="square">
-            <a:spAutoFit/>
-          </a:bodyPr>
-          <a:lstStyle/>
-          <a:p>
-            <a:pPr algn="ctr"/>
-            <a:r>
-              <a:rPr lang="en-US" sz="3200" b="1" u="sng" dirty="0">
-                <a:solidFill>
-                  <a:srgbClr val="224E59"/>
-                </a:solidFill>
-                <a:latin typeface="Arial" panose="020B0604020202020204" pitchFamily="34" charset="0"/>
-                <a:cs typeface="Arial" panose="020B0604020202020204" pitchFamily="34" charset="0"/>
-              </a:rPr>
-              <a:t> </a:t>
-            </a:r>
-            <a:r>
-              <a:rPr lang="en-US" sz="3200" b="1" u="sng" dirty="0" smtClean="0">
-                <a:solidFill>
-                  <a:srgbClr val="224E59"/>
-                </a:solidFill>
-                <a:latin typeface="Arial" panose="020B0604020202020204" pitchFamily="34" charset="0"/>
-                <a:cs typeface="Arial" panose="020B0604020202020204" pitchFamily="34" charset="0"/>
-              </a:rPr>
-              <a:t>Variance in </a:t>
-            </a:r>
-            <a:r>
-              <a:rPr lang="en-US" sz="3200" b="1" u="sng" dirty="0">
-                <a:solidFill>
-                  <a:srgbClr val="224E59"/>
-                </a:solidFill>
-                <a:latin typeface="Arial" panose="020B0604020202020204" pitchFamily="34" charset="0"/>
-                <a:cs typeface="Arial" panose="020B0604020202020204" pitchFamily="34" charset="0"/>
-              </a:rPr>
-              <a:t>AF </a:t>
-            </a:r>
-            <a:r>
-              <a:rPr lang="en-US" sz="3200" b="1" u="sng" dirty="0" smtClean="0">
-                <a:solidFill>
-                  <a:srgbClr val="224E59"/>
-                </a:solidFill>
-                <a:latin typeface="Arial" panose="020B0604020202020204" pitchFamily="34" charset="0"/>
-                <a:cs typeface="Arial" panose="020B0604020202020204" pitchFamily="34" charset="0"/>
-              </a:rPr>
-              <a:t>Density </a:t>
-            </a:r>
-            <a:r>
-              <a:rPr lang="en-US" sz="3200" b="1" u="sng" dirty="0">
-                <a:solidFill>
-                  <a:srgbClr val="224E59"/>
-                </a:solidFill>
-                <a:latin typeface="Arial" panose="020B0604020202020204" pitchFamily="34" charset="0"/>
-                <a:cs typeface="Arial" panose="020B0604020202020204" pitchFamily="34" charset="0"/>
-              </a:rPr>
-              <a:t>plots </a:t>
-            </a:r>
-            <a:r>
-              <a:rPr lang="en-US" sz="3200" b="1" u="sng" dirty="0" smtClean="0">
-                <a:solidFill>
-                  <a:srgbClr val="224E59"/>
-                </a:solidFill>
-                <a:latin typeface="Arial" panose="020B0604020202020204" pitchFamily="34" charset="0"/>
-                <a:cs typeface="Arial" panose="020B0604020202020204" pitchFamily="34" charset="0"/>
-              </a:rPr>
-              <a:t>of </a:t>
-            </a:r>
-            <a:r>
-              <a:rPr lang="el-GR" sz="3200" b="1" u="sng" dirty="0" smtClean="0">
-                <a:solidFill>
-                  <a:srgbClr val="224E59"/>
-                </a:solidFill>
-                <a:latin typeface="Arial" panose="020B0604020202020204" pitchFamily="34" charset="0"/>
-                <a:cs typeface="Arial" panose="020B0604020202020204" pitchFamily="34" charset="0"/>
-              </a:rPr>
-              <a:t>«</a:t>
-            </a:r>
-            <a:r>
-              <a:rPr lang="en-US" sz="3200" b="1" u="sng" dirty="0">
-                <a:solidFill>
-                  <a:srgbClr val="224E59"/>
-                </a:solidFill>
-                <a:latin typeface="Arial" panose="020B0604020202020204" pitchFamily="34" charset="0"/>
-                <a:cs typeface="Arial" panose="020B0604020202020204" pitchFamily="34" charset="0"/>
-              </a:rPr>
-              <a:t>Ground Truth</a:t>
-            </a:r>
-            <a:r>
-              <a:rPr lang="el-GR" sz="3200" b="1" u="sng" dirty="0" smtClean="0">
-                <a:solidFill>
-                  <a:srgbClr val="224E59"/>
-                </a:solidFill>
-                <a:latin typeface="Arial" panose="020B0604020202020204" pitchFamily="34" charset="0"/>
-                <a:cs typeface="Arial" panose="020B0604020202020204" pitchFamily="34" charset="0"/>
-              </a:rPr>
-              <a:t>»</a:t>
-            </a:r>
-            <a:r>
-              <a:rPr lang="en-US" sz="3200" b="1" u="sng" dirty="0" smtClean="0">
-                <a:solidFill>
-                  <a:srgbClr val="224E59"/>
-                </a:solidFill>
-                <a:latin typeface="Arial" panose="020B0604020202020204" pitchFamily="34" charset="0"/>
-                <a:cs typeface="Arial" panose="020B0604020202020204" pitchFamily="34" charset="0"/>
-              </a:rPr>
-              <a:t> Mutations per DNA Base</a:t>
-            </a:r>
-            <a:endParaRPr lang="en-US" sz="3200" b="1" u="sng" dirty="0">
-              <a:solidFill>
-                <a:srgbClr val="224E59"/>
-              </a:solidFill>
-              <a:latin typeface="Arial" panose="020B0604020202020204" pitchFamily="34" charset="0"/>
-              <a:cs typeface="Arial" panose="020B0604020202020204" pitchFamily="34" charset="0"/>
-            </a:endParaRPr>
-          </a:p>
-        </p:txBody>
-      </p:sp>
       <p:grpSp>
         <p:nvGrpSpPr>
           <p:cNvPr id="77" name="Group 76"/>
@@ -6270,7 +6868,7 @@
         </p:nvGrpSpPr>
         <p:grpSpPr>
           <a:xfrm>
-            <a:off x="5744330" y="30411317"/>
+            <a:off x="6854668" y="30346003"/>
             <a:ext cx="11434389" cy="980869"/>
             <a:chOff x="10370666" y="29568104"/>
             <a:chExt cx="6677629" cy="1857845"/>
@@ -6392,7 +6990,37 @@
                   <a:latin typeface="Arial" panose="020B0604020202020204" pitchFamily="34" charset="0"/>
                   <a:cs typeface="Arial" panose="020B0604020202020204" pitchFamily="34" charset="0"/>
                 </a:rPr>
-                <a:t>Difficulty to identify mutations at low frequencies</a:t>
+                <a:t>Difficulty to identify </a:t>
+              </a:r>
+              <a:r>
+                <a:rPr lang="en-US" sz="3600" b="1" dirty="0" smtClean="0">
+                  <a:solidFill>
+                    <a:srgbClr val="224E59"/>
+                  </a:solidFill>
+                  <a:latin typeface="Arial" panose="020B0604020202020204" pitchFamily="34" charset="0"/>
+                  <a:cs typeface="Arial" panose="020B0604020202020204" pitchFamily="34" charset="0"/>
+                </a:rPr>
+                <a:t>v</a:t>
+              </a:r>
+              <a:r>
+                <a:rPr lang="en-US" sz="3600" b="1" dirty="0" smtClean="0">
+                  <a:solidFill>
+                    <a:srgbClr val="224E59"/>
+                  </a:solidFill>
+                  <a:latin typeface="Arial" panose="020B0604020202020204" pitchFamily="34" charset="0"/>
+                  <a:cs typeface="Arial" panose="020B0604020202020204" pitchFamily="34" charset="0"/>
+                </a:rPr>
+                <a:t>ariants </a:t>
+              </a:r>
+              <a:r>
+                <a:rPr lang="en-US" sz="3600" b="1" dirty="0" smtClean="0">
+                  <a:solidFill>
+                    <a:srgbClr val="224E59"/>
+                  </a:solidFill>
+                  <a:latin typeface="Arial" panose="020B0604020202020204" pitchFamily="34" charset="0"/>
+                  <a:cs typeface="Arial" panose="020B0604020202020204" pitchFamily="34" charset="0"/>
+                </a:rPr>
+                <a:t>at low frequencies</a:t>
               </a:r>
               <a:endParaRPr lang="el-GR" sz="3600" b="1" dirty="0">
                 <a:solidFill>
@@ -6405,110 +7033,6 @@
           </p:txBody>
         </p:sp>
       </p:grpSp>
-      <p:sp>
-        <p:nvSpPr>
-          <p:cNvPr id="68" name="Rectangle 67">
-            <a:extLst>
-              <a:ext uri="{FF2B5EF4-FFF2-40B4-BE49-F238E27FC236}">
-                <a16:creationId xmlns:a16="http://schemas.microsoft.com/office/drawing/2014/main" id="{18C20CFF-4BD1-40F4-BFBD-6135A421D18B}"/>
-              </a:ext>
-            </a:extLst>
-          </p:cNvPr>
-          <p:cNvSpPr/>
-          <p:nvPr/>
-        </p:nvSpPr>
-        <p:spPr>
-          <a:xfrm>
-            <a:off x="2713417" y="39835018"/>
-            <a:ext cx="16928120" cy="584775"/>
-          </a:xfrm>
-          <a:prstGeom prst="rect">
-            <a:avLst/>
-          </a:prstGeom>
-          <a:solidFill>
-            <a:schemeClr val="bg1"/>
-          </a:solidFill>
-        </p:spPr>
-        <p:txBody>
-          <a:bodyPr wrap="square">
-            <a:spAutoFit/>
-          </a:bodyPr>
-          <a:lstStyle/>
-          <a:p>
-            <a:pPr algn="ctr"/>
-            <a:r>
-              <a:rPr lang="en-US" sz="3200" b="1" u="sng" dirty="0" smtClean="0">
-                <a:solidFill>
-                  <a:srgbClr val="224E59"/>
-                </a:solidFill>
-                <a:latin typeface="Arial" panose="020B0604020202020204" pitchFamily="34" charset="0"/>
-                <a:cs typeface="Arial" panose="020B0604020202020204" pitchFamily="34" charset="0"/>
-              </a:rPr>
-              <a:t>Divergence in the identification of SNVs and their AF of </a:t>
-            </a:r>
-            <a:r>
-              <a:rPr lang="el-GR" sz="3200" b="1" u="sng" dirty="0" smtClean="0">
-                <a:solidFill>
-                  <a:srgbClr val="224E59"/>
-                </a:solidFill>
-                <a:latin typeface="Arial" panose="020B0604020202020204" pitchFamily="34" charset="0"/>
-                <a:cs typeface="Arial" panose="020B0604020202020204" pitchFamily="34" charset="0"/>
-              </a:rPr>
-              <a:t>«</a:t>
-            </a:r>
-            <a:r>
-              <a:rPr lang="en-US" sz="3200" b="1" u="sng" dirty="0">
-                <a:solidFill>
-                  <a:srgbClr val="224E59"/>
-                </a:solidFill>
-                <a:latin typeface="Arial" panose="020B0604020202020204" pitchFamily="34" charset="0"/>
-                <a:cs typeface="Arial" panose="020B0604020202020204" pitchFamily="34" charset="0"/>
-              </a:rPr>
-              <a:t>Ground Truth</a:t>
-            </a:r>
-            <a:r>
-              <a:rPr lang="el-GR" sz="3200" b="1" u="sng" dirty="0" smtClean="0">
-                <a:solidFill>
-                  <a:srgbClr val="224E59"/>
-                </a:solidFill>
-                <a:latin typeface="Arial" panose="020B0604020202020204" pitchFamily="34" charset="0"/>
-                <a:cs typeface="Arial" panose="020B0604020202020204" pitchFamily="34" charset="0"/>
-              </a:rPr>
-              <a:t>»</a:t>
-            </a:r>
-            <a:r>
-              <a:rPr lang="en-US" sz="3200" b="1" u="sng" dirty="0" smtClean="0">
-                <a:solidFill>
-                  <a:srgbClr val="224E59"/>
-                </a:solidFill>
-                <a:latin typeface="Arial" panose="020B0604020202020204" pitchFamily="34" charset="0"/>
-                <a:cs typeface="Arial" panose="020B0604020202020204" pitchFamily="34" charset="0"/>
-              </a:rPr>
-              <a:t> </a:t>
-            </a:r>
-            <a:r>
-              <a:rPr lang="en-US" sz="3200" b="1" u="sng" dirty="0">
-                <a:solidFill>
-                  <a:srgbClr val="224E59"/>
-                </a:solidFill>
-                <a:latin typeface="Arial" panose="020B0604020202020204" pitchFamily="34" charset="0"/>
-                <a:cs typeface="Arial" panose="020B0604020202020204" pitchFamily="34" charset="0"/>
-              </a:rPr>
-              <a:t>Mutations</a:t>
-            </a:r>
-            <a:r>
-              <a:rPr lang="en-US" sz="3200" b="1" u="sng" dirty="0" smtClean="0">
-                <a:solidFill>
-                  <a:srgbClr val="224E59"/>
-                </a:solidFill>
-                <a:latin typeface="Arial" panose="020B0604020202020204" pitchFamily="34" charset="0"/>
-                <a:cs typeface="Arial" panose="020B0604020202020204" pitchFamily="34" charset="0"/>
-              </a:rPr>
-              <a:t>  </a:t>
-            </a:r>
-          </a:p>
-        </p:txBody>
-      </p:sp>
       <p:sp>
         <p:nvSpPr>
           <p:cNvPr id="67" name="Rectangle 66">
@@ -6523,7 +7047,7 @@
         </p:nvSpPr>
         <p:spPr>
           <a:xfrm>
-            <a:off x="21008256" y="30747638"/>
+            <a:off x="21247422" y="37114858"/>
             <a:ext cx="7784778" cy="584775"/>
           </a:xfrm>
           <a:prstGeom prst="rect">
@@ -6541,7 +7065,7 @@
           <a:p>
             <a:pPr algn="ctr"/>
             <a:r>
-              <a:rPr lang="en-US" sz="3200" b="1" u="sng" dirty="0" smtClean="0">
+              <a:rPr lang="en-US" sz="3200" b="1" dirty="0" smtClean="0">
                 <a:solidFill>
                   <a:srgbClr val="224E59"/>
                 </a:solidFill>
@@ -6551,16 +7075,16 @@
               <a:t>Venn plot of the Overall </a:t>
             </a:r>
             <a:r>
-              <a:rPr lang="en-US" sz="3200" b="1" u="sng" dirty="0">
+              <a:rPr lang="en-US" sz="3200" b="1" dirty="0">
                 <a:solidFill>
                   <a:srgbClr val="224E59"/>
                 </a:solidFill>
                 <a:latin typeface="Arial" panose="020B0604020202020204" pitchFamily="34" charset="0"/>
                 <a:cs typeface="Arial" panose="020B0604020202020204" pitchFamily="34" charset="0"/>
               </a:rPr>
-              <a:t>Mutations</a:t>
-            </a:r>
-            <a:endParaRPr lang="en-US" sz="3200" b="1" u="sng" dirty="0" smtClean="0">
+              <a:t>Variants</a:t>
+            </a:r>
+            <a:endParaRPr lang="en-US" sz="3200" b="1" dirty="0" smtClean="0">
               <a:solidFill>
                 <a:srgbClr val="224E59"/>
               </a:solidFill>
@@ -6578,7 +7102,7 @@
         </p:nvGrpSpPr>
         <p:grpSpPr>
           <a:xfrm>
-            <a:off x="20401386" y="37901439"/>
+            <a:off x="20434043" y="37934096"/>
             <a:ext cx="9661621" cy="2666204"/>
             <a:chOff x="20796464" y="37082471"/>
             <a:chExt cx="9168566" cy="2342171"/>
@@ -6755,437 +7279,127 @@
           </p:spPr>
         </p:pic>
       </p:grpSp>
-      <p:grpSp>
-        <p:nvGrpSpPr>
-          <p:cNvPr id="16" name="Group 15"/>
-          <p:cNvGrpSpPr/>
+      <p:sp>
+        <p:nvSpPr>
+          <p:cNvPr id="68" name="Rectangle 67">
+            <a:extLst>
+              <a:ext uri="{FF2B5EF4-FFF2-40B4-BE49-F238E27FC236}">
+                <a16:creationId xmlns:a16="http://schemas.microsoft.com/office/drawing/2014/main" id="{18C20CFF-4BD1-40F4-BFBD-6135A421D18B}"/>
+              </a:ext>
+            </a:extLst>
+          </p:cNvPr>
+          <p:cNvSpPr/>
           <p:nvPr/>
-        </p:nvGrpSpPr>
-        <p:grpSpPr>
+        </p:nvSpPr>
+        <p:spPr>
           <a:xfrm>
-            <a:off x="275453" y="6489263"/>
-            <a:ext cx="7231499" cy="11077024"/>
-            <a:chOff x="241077" y="6455382"/>
-            <a:chExt cx="7231499" cy="8492537"/>
+            <a:off x="2680760" y="39932989"/>
+            <a:ext cx="16928120" cy="584775"/>
           </a:xfrm>
-        </p:grpSpPr>
-        <p:sp>
-          <p:nvSpPr>
-            <p:cNvPr id="70" name="Rounded Rectangle 69"/>
-            <p:cNvSpPr/>
-            <p:nvPr/>
-          </p:nvSpPr>
-          <p:spPr>
-            <a:xfrm rot="10800000">
-              <a:off x="241077" y="6455382"/>
-              <a:ext cx="7231498" cy="8492537"/>
-            </a:xfrm>
-            <a:prstGeom prst="roundRect">
-              <a:avLst/>
-            </a:prstGeom>
-            <a:solidFill>
-              <a:srgbClr val="90A9AD"/>
-            </a:solidFill>
-            <a:ln>
+          <a:prstGeom prst="rect">
+            <a:avLst/>
+          </a:prstGeom>
+          <a:solidFill>
+            <a:schemeClr val="bg1"/>
+          </a:solidFill>
+        </p:spPr>
+        <p:txBody>
+          <a:bodyPr wrap="square">
+            <a:spAutoFit/>
+          </a:bodyPr>
+          <a:lstStyle/>
+          <a:p>
+            <a:pPr algn="ctr"/>
+            <a:r>
+              <a:rPr lang="en-US" sz="3200" b="1" dirty="0" smtClean="0">
+                <a:solidFill>
+                  <a:srgbClr val="224E59"/>
+                </a:solidFill>
+                <a:latin typeface="Arial" panose="020B0604020202020204" pitchFamily="34" charset="0"/>
+                <a:cs typeface="Arial" panose="020B0604020202020204" pitchFamily="34" charset="0"/>
+              </a:rPr>
+              <a:t>Divergence in the identification of </a:t>
+            </a:r>
+            <a:r>
+              <a:rPr lang="en-US" sz="3200" b="1" dirty="0" smtClean="0">
+                <a:solidFill>
+                  <a:srgbClr val="224E59"/>
+                </a:solidFill>
+                <a:latin typeface="Arial" panose="020B0604020202020204" pitchFamily="34" charset="0"/>
+                <a:cs typeface="Arial" panose="020B0604020202020204" pitchFamily="34" charset="0"/>
+              </a:rPr>
+              <a:t>SNIPs </a:t>
+            </a:r>
+            <a:r>
+              <a:rPr lang="en-US" sz="3200" b="1" dirty="0" smtClean="0">
+                <a:solidFill>
+                  <a:srgbClr val="224E59"/>
+                </a:solidFill>
+                <a:latin typeface="Arial" panose="020B0604020202020204" pitchFamily="34" charset="0"/>
+                <a:cs typeface="Arial" panose="020B0604020202020204" pitchFamily="34" charset="0"/>
+              </a:rPr>
+              <a:t>and their AF of </a:t>
+            </a:r>
+            <a:r>
+              <a:rPr lang="el-GR" sz="3200" b="1" dirty="0" smtClean="0">
+                <a:solidFill>
+                  <a:srgbClr val="224E59"/>
+                </a:solidFill>
+                <a:latin typeface="Arial" panose="020B0604020202020204" pitchFamily="34" charset="0"/>
+                <a:cs typeface="Arial" panose="020B0604020202020204" pitchFamily="34" charset="0"/>
+              </a:rPr>
+              <a:t>«</a:t>
+            </a:r>
+            <a:r>
+              <a:rPr lang="en-US" sz="3200" b="1" dirty="0">
+                <a:solidFill>
+                  <a:srgbClr val="224E59"/>
+                </a:solidFill>
+                <a:latin typeface="Arial" panose="020B0604020202020204" pitchFamily="34" charset="0"/>
+                <a:cs typeface="Arial" panose="020B0604020202020204" pitchFamily="34" charset="0"/>
+              </a:rPr>
+              <a:t>Ground Truth</a:t>
+            </a:r>
+            <a:r>
+              <a:rPr lang="el-GR" sz="3200" b="1" dirty="0" smtClean="0">
+                <a:solidFill>
+                  <a:srgbClr val="224E59"/>
+                </a:solidFill>
+                <a:latin typeface="Arial" panose="020B0604020202020204" pitchFamily="34" charset="0"/>
+                <a:cs typeface="Arial" panose="020B0604020202020204" pitchFamily="34" charset="0"/>
+              </a:rPr>
+              <a:t>»</a:t>
+            </a:r>
+            <a:r>
+              <a:rPr lang="en-US" sz="3200" b="1" dirty="0" smtClean="0">
+                <a:solidFill>
+                  <a:srgbClr val="224E59"/>
+                </a:solidFill>
+                <a:latin typeface="Arial" panose="020B0604020202020204" pitchFamily="34" charset="0"/>
+                <a:cs typeface="Arial" panose="020B0604020202020204" pitchFamily="34" charset="0"/>
+              </a:rPr>
+              <a:t> </a:t>
+            </a:r>
+            <a:r>
+              <a:rPr lang="en-US" sz="3200" b="1" dirty="0">
+                <a:solidFill>
+                  <a:srgbClr val="224E59"/>
+                </a:solidFill>
+                <a:latin typeface="Arial" panose="020B0604020202020204" pitchFamily="34" charset="0"/>
+                <a:cs typeface="Arial" panose="020B0604020202020204" pitchFamily="34" charset="0"/>
+              </a:rPr>
+              <a:t>Variants  </a:t>
+            </a:r>
+            <a:endParaRPr lang="en-US" sz="3200" b="1" dirty="0" smtClean="0">
               <a:solidFill>
-                <a:srgbClr val="90A9AD"/>
+                <a:srgbClr val="224E59"/>
               </a:solidFill>
-            </a:ln>
-          </p:spPr>
-          <p:style>
-            <a:lnRef idx="2">
-              <a:schemeClr val="accent1">
-                <a:shade val="50000"/>
-              </a:schemeClr>
-            </a:lnRef>
-            <a:fillRef idx="1">
-              <a:schemeClr val="accent1"/>
-            </a:fillRef>
-            <a:effectRef idx="0">
-              <a:schemeClr val="accent1"/>
-            </a:effectRef>
-            <a:fontRef idx="minor">
-              <a:schemeClr val="lt1"/>
-            </a:fontRef>
-          </p:style>
-          <p:txBody>
-            <a:bodyPr rtlCol="0" anchor="ctr"/>
-            <a:lstStyle/>
-            <a:p>
-              <a:pPr algn="ctr"/>
-              <a:endParaRPr lang="el-GR" sz="4000" dirty="0">
-                <a:latin typeface="Arial" panose="020B0604020202020204" pitchFamily="34" charset="0"/>
-                <a:cs typeface="Arial" panose="020B0604020202020204" pitchFamily="34" charset="0"/>
-              </a:endParaRPr>
-            </a:p>
-          </p:txBody>
-        </p:sp>
-        <p:sp>
-          <p:nvSpPr>
-            <p:cNvPr id="76" name="Rectangle 75"/>
-            <p:cNvSpPr/>
-            <p:nvPr/>
-          </p:nvSpPr>
-          <p:spPr>
-            <a:xfrm>
-              <a:off x="1656179" y="6825570"/>
-              <a:ext cx="4401294" cy="701496"/>
-            </a:xfrm>
-            <a:prstGeom prst="rect">
-              <a:avLst/>
-            </a:prstGeom>
-          </p:spPr>
-          <p:txBody>
-            <a:bodyPr wrap="square">
-              <a:spAutoFit/>
-            </a:bodyPr>
-            <a:lstStyle/>
-            <a:p>
-              <a:pPr algn="ctr"/>
-              <a:r>
-                <a:rPr lang="en-US" sz="5400" b="1" dirty="0" smtClean="0">
-                  <a:solidFill>
-                    <a:schemeClr val="accent2">
-                      <a:lumMod val="20000"/>
-                      <a:lumOff val="80000"/>
-                    </a:schemeClr>
-                  </a:solidFill>
-                  <a:effectLst>
-                    <a:outerShdw blurRad="38100" dist="38100" dir="2700000" algn="tl">
-                      <a:srgbClr val="000000">
-                        <a:alpha val="43137"/>
-                      </a:srgbClr>
-                    </a:outerShdw>
-                  </a:effectLst>
-                  <a:latin typeface="Arial" panose="020B0604020202020204" pitchFamily="34" charset="0"/>
-                  <a:cs typeface="Arial" panose="020B0604020202020204" pitchFamily="34" charset="0"/>
-                </a:rPr>
-                <a:t>Highlights</a:t>
-              </a:r>
-              <a:endParaRPr lang="en-US" sz="5400" b="1" dirty="0">
-                <a:solidFill>
-                  <a:schemeClr val="accent2">
-                    <a:lumMod val="20000"/>
-                    <a:lumOff val="80000"/>
-                  </a:schemeClr>
-                </a:solidFill>
-                <a:effectLst>
-                  <a:outerShdw blurRad="38100" dist="38100" dir="2700000" algn="tl">
-                    <a:srgbClr val="000000">
-                      <a:alpha val="43137"/>
-                    </a:srgbClr>
-                  </a:outerShdw>
-                </a:effectLst>
-                <a:latin typeface="Arial" panose="020B0604020202020204" pitchFamily="34" charset="0"/>
-                <a:cs typeface="Arial" panose="020B0604020202020204" pitchFamily="34" charset="0"/>
-              </a:endParaRPr>
-            </a:p>
-          </p:txBody>
-        </p:sp>
-        <p:sp>
-          <p:nvSpPr>
-            <p:cNvPr id="78" name="Rectangle 77"/>
-            <p:cNvSpPr/>
-            <p:nvPr/>
-          </p:nvSpPr>
-          <p:spPr>
-            <a:xfrm>
-              <a:off x="370798" y="7797868"/>
-              <a:ext cx="7101778" cy="6819425"/>
-            </a:xfrm>
-            <a:prstGeom prst="rect">
-              <a:avLst/>
-            </a:prstGeom>
-          </p:spPr>
-          <p:txBody>
-            <a:bodyPr wrap="square">
-              <a:spAutoFit/>
-            </a:bodyPr>
-            <a:lstStyle/>
-            <a:p>
-              <a:pPr marL="571500" indent="-571500">
-                <a:buFont typeface="Arial" panose="020B0604020202020204" pitchFamily="34" charset="0"/>
-                <a:buChar char="•"/>
-              </a:pPr>
-              <a:r>
-                <a:rPr lang="en-US" sz="4400" dirty="0" smtClean="0">
-                  <a:solidFill>
-                    <a:schemeClr val="accent2">
-                      <a:lumMod val="20000"/>
-                      <a:lumOff val="80000"/>
-                    </a:schemeClr>
-                  </a:solidFill>
-                  <a:effectLst>
-                    <a:outerShdw blurRad="38100" dist="38100" dir="2700000" algn="tl">
-                      <a:srgbClr val="000000">
-                        <a:alpha val="43137"/>
-                      </a:srgbClr>
-                    </a:outerShdw>
-                  </a:effectLst>
-                  <a:latin typeface="Arial" panose="020B0604020202020204" pitchFamily="34" charset="0"/>
-                  <a:cs typeface="Arial" panose="020B0604020202020204" pitchFamily="34" charset="0"/>
-                </a:rPr>
-                <a:t>Generation of </a:t>
-              </a:r>
-              <a:r>
-                <a:rPr lang="en-US" sz="4400" b="1" dirty="0" smtClean="0">
-                  <a:solidFill>
-                    <a:schemeClr val="accent2">
-                      <a:lumMod val="20000"/>
-                      <a:lumOff val="80000"/>
-                    </a:schemeClr>
-                  </a:solidFill>
-                  <a:effectLst>
-                    <a:outerShdw blurRad="38100" dist="38100" dir="2700000" algn="tl">
-                      <a:srgbClr val="000000">
-                        <a:alpha val="43137"/>
-                      </a:srgbClr>
-                    </a:outerShdw>
-                  </a:effectLst>
-                  <a:latin typeface="Arial" panose="020B0604020202020204" pitchFamily="34" charset="0"/>
-                  <a:cs typeface="Arial" panose="020B0604020202020204" pitchFamily="34" charset="0"/>
-                </a:rPr>
-                <a:t>synthetic genomics</a:t>
-              </a:r>
-              <a:r>
-                <a:rPr lang="en-US" sz="4400" dirty="0" smtClean="0">
-                  <a:solidFill>
-                    <a:schemeClr val="accent2">
-                      <a:lumMod val="20000"/>
-                      <a:lumOff val="80000"/>
-                    </a:schemeClr>
-                  </a:solidFill>
-                  <a:effectLst>
-                    <a:outerShdw blurRad="38100" dist="38100" dir="2700000" algn="tl">
-                      <a:srgbClr val="000000">
-                        <a:alpha val="43137"/>
-                      </a:srgbClr>
-                    </a:outerShdw>
-                  </a:effectLst>
-                  <a:latin typeface="Arial" panose="020B0604020202020204" pitchFamily="34" charset="0"/>
-                  <a:cs typeface="Arial" panose="020B0604020202020204" pitchFamily="34" charset="0"/>
-                </a:rPr>
-                <a:t> data based on TP53 gene</a:t>
-              </a:r>
-            </a:p>
-            <a:p>
-              <a:pPr marL="571500" indent="-571500">
-                <a:buFont typeface="Arial" panose="020B0604020202020204" pitchFamily="34" charset="0"/>
-                <a:buChar char="•"/>
-              </a:pPr>
-              <a:endParaRPr lang="en-US" sz="4400" dirty="0">
-                <a:solidFill>
-                  <a:schemeClr val="accent2">
-                    <a:lumMod val="20000"/>
-                    <a:lumOff val="80000"/>
-                  </a:schemeClr>
-                </a:solidFill>
-                <a:effectLst>
-                  <a:outerShdw blurRad="38100" dist="38100" dir="2700000" algn="tl">
-                    <a:srgbClr val="000000">
-                      <a:alpha val="43137"/>
-                    </a:srgbClr>
-                  </a:outerShdw>
-                </a:effectLst>
-                <a:latin typeface="Arial" panose="020B0604020202020204" pitchFamily="34" charset="0"/>
-                <a:cs typeface="Arial" panose="020B0604020202020204" pitchFamily="34" charset="0"/>
-              </a:endParaRPr>
-            </a:p>
-            <a:p>
-              <a:pPr marL="571500" indent="-571500">
-                <a:buFont typeface="Arial" panose="020B0604020202020204" pitchFamily="34" charset="0"/>
-                <a:buChar char="•"/>
-              </a:pPr>
-              <a:r>
-                <a:rPr lang="en-US" sz="4400" dirty="0" smtClean="0">
-                  <a:solidFill>
-                    <a:schemeClr val="accent2">
-                      <a:lumMod val="20000"/>
-                      <a:lumOff val="80000"/>
-                    </a:schemeClr>
-                  </a:solidFill>
-                  <a:effectLst>
-                    <a:outerShdw blurRad="38100" dist="38100" dir="2700000" algn="tl">
-                      <a:srgbClr val="000000">
-                        <a:alpha val="43137"/>
-                      </a:srgbClr>
-                    </a:outerShdw>
-                  </a:effectLst>
-                  <a:latin typeface="Arial" panose="020B0604020202020204" pitchFamily="34" charset="0"/>
-                  <a:cs typeface="Arial" panose="020B0604020202020204" pitchFamily="34" charset="0"/>
-                </a:rPr>
-                <a:t>Define </a:t>
-              </a:r>
-              <a:r>
-                <a:rPr lang="en-US" sz="4400" b="1" dirty="0" smtClean="0">
-                  <a:solidFill>
-                    <a:schemeClr val="accent2">
-                      <a:lumMod val="20000"/>
-                      <a:lumOff val="80000"/>
-                    </a:schemeClr>
-                  </a:solidFill>
-                  <a:effectLst>
-                    <a:outerShdw blurRad="38100" dist="38100" dir="2700000" algn="tl">
-                      <a:srgbClr val="000000">
-                        <a:alpha val="43137"/>
-                      </a:srgbClr>
-                    </a:outerShdw>
-                  </a:effectLst>
-                  <a:latin typeface="Arial" panose="020B0604020202020204" pitchFamily="34" charset="0"/>
-                  <a:cs typeface="Arial" panose="020B0604020202020204" pitchFamily="34" charset="0"/>
-                </a:rPr>
-                <a:t>«Ground Truth» </a:t>
-              </a:r>
-              <a:r>
-                <a:rPr lang="en-US" sz="4400" dirty="0" smtClean="0">
-                  <a:solidFill>
-                    <a:schemeClr val="accent2">
-                      <a:lumMod val="20000"/>
-                      <a:lumOff val="80000"/>
-                    </a:schemeClr>
-                  </a:solidFill>
-                  <a:effectLst>
-                    <a:outerShdw blurRad="38100" dist="38100" dir="2700000" algn="tl">
-                      <a:srgbClr val="000000">
-                        <a:alpha val="43137"/>
-                      </a:srgbClr>
-                    </a:outerShdw>
-                  </a:effectLst>
-                  <a:latin typeface="Arial" panose="020B0604020202020204" pitchFamily="34" charset="0"/>
-                  <a:cs typeface="Arial" panose="020B0604020202020204" pitchFamily="34" charset="0"/>
-                </a:rPr>
-                <a:t>mutations in order to </a:t>
-              </a:r>
-              <a:r>
-                <a:rPr lang="en-US" sz="4400" b="1" dirty="0" smtClean="0">
-                  <a:solidFill>
-                    <a:schemeClr val="accent2">
-                      <a:lumMod val="20000"/>
-                      <a:lumOff val="80000"/>
-                    </a:schemeClr>
-                  </a:solidFill>
-                  <a:effectLst>
-                    <a:outerShdw blurRad="38100" dist="38100" dir="2700000" algn="tl">
-                      <a:srgbClr val="000000">
-                        <a:alpha val="43137"/>
-                      </a:srgbClr>
-                    </a:outerShdw>
-                  </a:effectLst>
-                  <a:latin typeface="Arial" panose="020B0604020202020204" pitchFamily="34" charset="0"/>
-                  <a:cs typeface="Arial" panose="020B0604020202020204" pitchFamily="34" charset="0"/>
-                </a:rPr>
-                <a:t>benchmark</a:t>
-              </a:r>
-              <a:r>
-                <a:rPr lang="en-US" sz="4400" dirty="0" smtClean="0">
-                  <a:solidFill>
-                    <a:schemeClr val="accent2">
-                      <a:lumMod val="20000"/>
-                      <a:lumOff val="80000"/>
-                    </a:schemeClr>
-                  </a:solidFill>
-                  <a:effectLst>
-                    <a:outerShdw blurRad="38100" dist="38100" dir="2700000" algn="tl">
-                      <a:srgbClr val="000000">
-                        <a:alpha val="43137"/>
-                      </a:srgbClr>
-                    </a:outerShdw>
-                  </a:effectLst>
-                  <a:latin typeface="Arial" panose="020B0604020202020204" pitchFamily="34" charset="0"/>
-                  <a:cs typeface="Arial" panose="020B0604020202020204" pitchFamily="34" charset="0"/>
-                </a:rPr>
-                <a:t> somatic variant callers</a:t>
-              </a:r>
-            </a:p>
-            <a:p>
-              <a:pPr marL="571500" indent="-571500">
-                <a:buFont typeface="Arial" panose="020B0604020202020204" pitchFamily="34" charset="0"/>
-                <a:buChar char="•"/>
-              </a:pPr>
-              <a:endParaRPr lang="en-US" sz="4400" dirty="0">
-                <a:solidFill>
-                  <a:schemeClr val="accent2">
-                    <a:lumMod val="20000"/>
-                    <a:lumOff val="80000"/>
-                  </a:schemeClr>
-                </a:solidFill>
-                <a:effectLst>
-                  <a:outerShdw blurRad="38100" dist="38100" dir="2700000" algn="tl">
-                    <a:srgbClr val="000000">
-                      <a:alpha val="43137"/>
-                    </a:srgbClr>
-                  </a:outerShdw>
-                </a:effectLst>
-                <a:latin typeface="Arial" panose="020B0604020202020204" pitchFamily="34" charset="0"/>
-                <a:cs typeface="Arial" panose="020B0604020202020204" pitchFamily="34" charset="0"/>
-              </a:endParaRPr>
-            </a:p>
-            <a:p>
-              <a:pPr marL="571500" indent="-571500">
-                <a:buFont typeface="Arial" panose="020B0604020202020204" pitchFamily="34" charset="0"/>
-                <a:buChar char="•"/>
-              </a:pPr>
-              <a:r>
-                <a:rPr lang="en-US" sz="4400" dirty="0" smtClean="0">
-                  <a:solidFill>
-                    <a:schemeClr val="accent2">
-                      <a:lumMod val="20000"/>
-                      <a:lumOff val="80000"/>
-                    </a:schemeClr>
-                  </a:solidFill>
-                  <a:effectLst>
-                    <a:outerShdw blurRad="38100" dist="38100" dir="2700000" algn="tl">
-                      <a:srgbClr val="000000">
-                        <a:alpha val="43137"/>
-                      </a:srgbClr>
-                    </a:outerShdw>
-                  </a:effectLst>
-                  <a:latin typeface="Arial" panose="020B0604020202020204" pitchFamily="34" charset="0"/>
-                  <a:cs typeface="Arial" panose="020B0604020202020204" pitchFamily="34" charset="0"/>
-                </a:rPr>
-                <a:t>Investigate the impact of variant callers in mutations at </a:t>
-              </a:r>
-              <a:r>
-                <a:rPr lang="en-US" sz="4400" b="1" dirty="0" smtClean="0">
-                  <a:solidFill>
-                    <a:schemeClr val="accent2">
-                      <a:lumMod val="20000"/>
-                      <a:lumOff val="80000"/>
-                    </a:schemeClr>
-                  </a:solidFill>
-                  <a:effectLst>
-                    <a:outerShdw blurRad="38100" dist="38100" dir="2700000" algn="tl">
-                      <a:srgbClr val="000000">
-                        <a:alpha val="43137"/>
-                      </a:srgbClr>
-                    </a:outerShdw>
-                  </a:effectLst>
-                  <a:latin typeface="Arial" panose="020B0604020202020204" pitchFamily="34" charset="0"/>
-                  <a:cs typeface="Arial" panose="020B0604020202020204" pitchFamily="34" charset="0"/>
-                </a:rPr>
-                <a:t>low frequencies</a:t>
-              </a:r>
-              <a:endParaRPr lang="en-US" sz="4400" b="1" dirty="0">
-                <a:solidFill>
-                  <a:schemeClr val="accent2">
-                    <a:lumMod val="20000"/>
-                    <a:lumOff val="80000"/>
-                  </a:schemeClr>
-                </a:solidFill>
-                <a:effectLst>
-                  <a:outerShdw blurRad="38100" dist="38100" dir="2700000" algn="tl">
-                    <a:srgbClr val="000000">
-                      <a:alpha val="43137"/>
-                    </a:srgbClr>
-                  </a:outerShdw>
-                </a:effectLst>
-                <a:latin typeface="Arial" panose="020B0604020202020204" pitchFamily="34" charset="0"/>
-                <a:cs typeface="Arial" panose="020B0604020202020204" pitchFamily="34" charset="0"/>
-              </a:endParaRPr>
-            </a:p>
-          </p:txBody>
-        </p:sp>
-      </p:grpSp>
+              <a:latin typeface="Arial" panose="020B0604020202020204" pitchFamily="34" charset="0"/>
+              <a:cs typeface="Arial" panose="020B0604020202020204" pitchFamily="34" charset="0"/>
+            </a:endParaRPr>
+          </a:p>
+        </p:txBody>
+      </p:sp>
     </p:spTree>
     <p:extLst>
       <p:ext uri="{BB962C8B-B14F-4D97-AF65-F5344CB8AC3E}">
